--- a/lectures/le10_glms.pptx
+++ b/lectures/le10_glms.pptx
@@ -5,7 +5,7 @@
     <p:sldMasterId id="2147483648" r:id="rId1"/>
   </p:sldMasterIdLst>
   <p:notesMasterIdLst>
-    <p:notesMasterId r:id="rId34"/>
+    <p:notesMasterId r:id="rId35"/>
   </p:notesMasterIdLst>
   <p:sldIdLst>
     <p:sldId id="256" r:id="rId2"/>
@@ -38,8 +38,9 @@
     <p:sldId id="279" r:id="rId29"/>
     <p:sldId id="282" r:id="rId30"/>
     <p:sldId id="284" r:id="rId31"/>
-    <p:sldId id="260" r:id="rId32"/>
-    <p:sldId id="263" r:id="rId33"/>
+    <p:sldId id="293" r:id="rId32"/>
+    <p:sldId id="260" r:id="rId33"/>
+    <p:sldId id="263" r:id="rId34"/>
   </p:sldIdLst>
   <p:sldSz cx="12192000" cy="6858000"/>
   <p:notesSz cx="6858000" cy="9144000"/>
@@ -4687,7 +4688,15 @@
             <a:pPr lvl="1"/>
             <a:r>
               <a:rPr lang="en-US" dirty="0"/>
-              <a:t>Ideas? </a:t>
+              <a:t>Ideas? Bayesian methods, multivariate methods, networks (</a:t>
+            </a:r>
+            <a:r>
+              <a:rPr lang="en-US" dirty="0" err="1"/>
+              <a:t>prob</a:t>
+            </a:r>
+            <a:r>
+              <a:rPr lang="en-US" dirty="0"/>
+              <a:t> not), </a:t>
             </a:r>
           </a:p>
           <a:p>
@@ -6383,7 +6392,13 @@
       </p:grpSpPr>
       <p:sp>
         <p:nvSpPr>
-          <p:cNvPr id="2" name="Title 1"/>
+          <p:cNvPr id="2" name="Title 1">
+            <a:extLst>
+              <a:ext uri="{FF2B5EF4-FFF2-40B4-BE49-F238E27FC236}">
+                <a16:creationId xmlns:a16="http://schemas.microsoft.com/office/drawing/2014/main" id="{D8B3361F-E91A-7C4D-9171-EAE07804945C}"/>
+              </a:ext>
+            </a:extLst>
+          </p:cNvPr>
           <p:cNvSpPr>
             <a:spLocks noGrp="1"/>
           </p:cNvSpPr>
@@ -6398,14 +6413,20 @@
           <a:p>
             <a:r>
               <a:rPr lang="en-US" dirty="0"/>
-              <a:t>Problems</a:t>
-            </a:r>
-          </a:p>
-        </p:txBody>
-      </p:sp>
-      <p:sp>
-        <p:nvSpPr>
-          <p:cNvPr id="3" name="Content Placeholder 2"/>
+              <a:t>Assignment</a:t>
+            </a:r>
+          </a:p>
+        </p:txBody>
+      </p:sp>
+      <p:sp>
+        <p:nvSpPr>
+          <p:cNvPr id="3" name="Content Placeholder 2">
+            <a:extLst>
+              <a:ext uri="{FF2B5EF4-FFF2-40B4-BE49-F238E27FC236}">
+                <a16:creationId xmlns:a16="http://schemas.microsoft.com/office/drawing/2014/main" id="{2AD760A6-53ED-2745-8126-44C836EC26ED}"/>
+              </a:ext>
+            </a:extLst>
+          </p:cNvPr>
           <p:cNvSpPr>
             <a:spLocks noGrp="1"/>
           </p:cNvSpPr>
@@ -6415,176 +6436,114 @@
         </p:nvSpPr>
         <p:spPr>
           <a:xfrm>
-            <a:off x="838200" y="1311965"/>
-            <a:ext cx="10515600" cy="4864998"/>
+            <a:off x="838200" y="1424763"/>
+            <a:ext cx="10515600" cy="4752200"/>
           </a:xfrm>
         </p:spPr>
         <p:txBody>
-          <a:bodyPr/>
-          <a:lstStyle/>
-          <a:p>
-            <a:pPr marL="514350" marR="0" lvl="0" indent="-514350" defTabSz="914400" eaLnBrk="1" fontAlgn="auto" latinLnBrk="0" hangingPunct="1">
-              <a:lnSpc>
-                <a:spcPct val="100000"/>
-              </a:lnSpc>
-              <a:spcBef>
-                <a:spcPts val="0"/>
-              </a:spcBef>
-              <a:spcAft>
-                <a:spcPts val="0"/>
-              </a:spcAft>
-              <a:buClrTx/>
-              <a:buSzTx/>
-              <a:buFontTx/>
-              <a:buAutoNum type="arabicPeriod"/>
-              <a:tabLst/>
-              <a:defRPr/>
+          <a:bodyPr>
+            <a:normAutofit fontScale="77500" lnSpcReduction="20000"/>
+          </a:bodyPr>
+          <a:lstStyle/>
+          <a:p>
+            <a:pPr marL="0" indent="0">
+              <a:buNone/>
             </a:pPr>
             <a:r>
-              <a:rPr lang="en-US" dirty="0"/>
-              <a:t>How does the effect of time of day vary with light conditions on lizard perching behavior?</a:t>
-            </a:r>
-          </a:p>
-          <a:p>
-            <a:pPr marL="514350" marR="0" lvl="0" indent="-514350" defTabSz="914400" eaLnBrk="1" fontAlgn="auto" latinLnBrk="0" hangingPunct="1">
-              <a:lnSpc>
-                <a:spcPct val="100000"/>
-              </a:lnSpc>
-              <a:spcBef>
-                <a:spcPts val="0"/>
-              </a:spcBef>
-              <a:spcAft>
-                <a:spcPts val="0"/>
-              </a:spcAft>
-              <a:buClrTx/>
-              <a:buSzTx/>
-              <a:buFontTx/>
-              <a:buAutoNum type="arabicPeriod"/>
-              <a:tabLst/>
-              <a:defRPr/>
-            </a:pPr>
+              <a:rPr lang="en-US" u="sng" dirty="0"/>
+              <a:t>Part 1 - GLMs</a:t>
+            </a:r>
             <a:endParaRPr lang="en-US" dirty="0"/>
           </a:p>
           <a:p>
-            <a:pPr marL="514350" marR="0" lvl="0" indent="-514350" defTabSz="914400" eaLnBrk="1" fontAlgn="auto" latinLnBrk="0" hangingPunct="1">
-              <a:lnSpc>
-                <a:spcPct val="100000"/>
-              </a:lnSpc>
-              <a:spcBef>
-                <a:spcPts val="0"/>
-              </a:spcBef>
-              <a:spcAft>
-                <a:spcPts val="0"/>
-              </a:spcAft>
-              <a:buClrTx/>
-              <a:buSzTx/>
-              <a:buFontTx/>
-              <a:buAutoNum type="arabicPeriod"/>
-              <a:tabLst/>
-              <a:defRPr/>
-            </a:pPr>
+            <a:r>
+              <a:rPr lang="en-US" dirty="0"/>
+              <a:t>Make a generalized linear model (preferably with more than one variable) for one of your hypotheses. Articulate which hypothesis you are testing.</a:t>
+            </a:r>
+          </a:p>
+          <a:p>
+            <a:r>
+              <a:rPr lang="en-US" dirty="0"/>
+              <a:t>Explain what the R output is telling you about your data, in relation to your hypothesis.</a:t>
+            </a:r>
+            <a:br>
+              <a:rPr lang="en-US" dirty="0"/>
+            </a:br>
+            <a:r>
+              <a:rPr lang="en-US" dirty="0"/>
+              <a:t>(Hint: you can use </a:t>
+            </a:r>
+            <a:r>
+              <a:rPr lang="en-US" dirty="0" err="1"/>
+              <a:t>lsmeans</a:t>
+            </a:r>
+            <a:r>
+              <a:rPr lang="en-US" dirty="0"/>
+              <a:t>, effects, relevel, or predict to help you.) </a:t>
+            </a:r>
+            <a:r>
+              <a:rPr lang="en-US" u="sng" dirty="0"/>
+              <a:t>You should include this explanation in </a:t>
+            </a:r>
+            <a:r>
+              <a:rPr lang="en-US" i="1" u="sng" dirty="0"/>
+              <a:t>either </a:t>
+            </a:r>
+            <a:r>
+              <a:rPr lang="en-US" u="sng" dirty="0"/>
+              <a:t>your README or in your code.</a:t>
+            </a:r>
             <a:endParaRPr lang="en-US" dirty="0"/>
           </a:p>
           <a:p>
-            <a:pPr marL="514350" marR="0" lvl="0" indent="-514350" defTabSz="914400" eaLnBrk="1" fontAlgn="auto" latinLnBrk="0" hangingPunct="1">
-              <a:lnSpc>
-                <a:spcPct val="100000"/>
-              </a:lnSpc>
-              <a:spcBef>
-                <a:spcPts val="0"/>
-              </a:spcBef>
-              <a:spcAft>
-                <a:spcPts val="0"/>
-              </a:spcAft>
-              <a:buClrTx/>
-              <a:buSzTx/>
-              <a:buFontTx/>
-              <a:buAutoNum type="arabicPeriod"/>
-              <a:tabLst/>
-              <a:defRPr/>
-            </a:pPr>
-            <a:r>
-              <a:rPr lang="en-US" dirty="0"/>
-              <a:t>Can you think of any issues with the bat data that should be a concern, based on our list of common mistakes? </a:t>
-            </a:r>
-          </a:p>
-          <a:p>
-            <a:pPr marL="514350" marR="0" lvl="0" indent="-514350" defTabSz="914400" eaLnBrk="1" fontAlgn="auto" latinLnBrk="0" hangingPunct="1">
-              <a:lnSpc>
-                <a:spcPct val="100000"/>
-              </a:lnSpc>
-              <a:spcBef>
-                <a:spcPts val="0"/>
-              </a:spcBef>
-              <a:spcAft>
-                <a:spcPts val="0"/>
-              </a:spcAft>
-              <a:buClrTx/>
-              <a:buSzTx/>
-              <a:buFontTx/>
-              <a:buAutoNum type="arabicPeriod"/>
-              <a:tabLst/>
-              <a:defRPr/>
-            </a:pPr>
+            <a:r>
+              <a:rPr lang="en-US" dirty="0"/>
+              <a:t>Plot your model (e.g. using predict) and overlay the model on top of the underlying data. Remember that you will need to use “type=response”.</a:t>
+            </a:r>
+          </a:p>
+          <a:p>
+            <a:r>
+              <a:rPr lang="en-US" dirty="0"/>
+              <a:t>Write a results statement (as you would in a scientific paper). If you need to reference a statistical table, you can include this result statement and table as a separate document that you upload with your text entry. (You can title this LASTNAME_WEEK10_Results.) Please remember to also commit and push to </a:t>
+            </a:r>
+            <a:r>
+              <a:rPr lang="en-US" dirty="0" err="1"/>
+              <a:t>github</a:t>
+            </a:r>
+            <a:r>
+              <a:rPr lang="en-US" dirty="0"/>
+              <a:t>. </a:t>
+            </a:r>
+            <a:br>
+              <a:rPr lang="en-US" dirty="0"/>
+            </a:br>
             <a:endParaRPr lang="en-US" dirty="0"/>
           </a:p>
           <a:p>
-            <a:pPr marL="514350" marR="0" lvl="0" indent="-514350" defTabSz="914400" eaLnBrk="1" fontAlgn="auto" latinLnBrk="0" hangingPunct="1">
-              <a:lnSpc>
-                <a:spcPct val="100000"/>
-              </a:lnSpc>
-              <a:spcBef>
-                <a:spcPts val="0"/>
-              </a:spcBef>
-              <a:spcAft>
-                <a:spcPts val="0"/>
-              </a:spcAft>
-              <a:buClrTx/>
-              <a:buSzTx/>
-              <a:buFontTx/>
-              <a:buAutoNum type="arabicPeriod"/>
-              <a:tabLst/>
-              <a:defRPr/>
-            </a:pPr>
+            <a:r>
+              <a:rPr lang="en-US" dirty="0"/>
+              <a:t>You will turn in this assignment in two weeks with model comparisons</a:t>
+            </a:r>
+            <a:br>
+              <a:rPr lang="en-US" dirty="0"/>
+            </a:br>
             <a:endParaRPr lang="en-US" dirty="0"/>
           </a:p>
           <a:p>
-            <a:pPr marL="514350" marR="0" lvl="0" indent="-514350" defTabSz="914400" eaLnBrk="1" fontAlgn="auto" latinLnBrk="0" hangingPunct="1">
-              <a:lnSpc>
-                <a:spcPct val="100000"/>
-              </a:lnSpc>
-              <a:spcBef>
-                <a:spcPts val="0"/>
-              </a:spcBef>
-              <a:spcAft>
-                <a:spcPts val="0"/>
-              </a:spcAft>
-              <a:buClrTx/>
-              <a:buSzTx/>
-              <a:buFontTx/>
-              <a:buAutoNum type="arabicPeriod"/>
-              <a:tabLst/>
-              <a:defRPr/>
-            </a:pPr>
-            <a:r>
-              <a:rPr lang="en-US" dirty="0"/>
-              <a:t>Re-run our binomial GLM with a </a:t>
-            </a:r>
-            <a:r>
-              <a:rPr lang="en-US" dirty="0" err="1"/>
-              <a:t>probit</a:t>
-            </a:r>
-            <a:r>
-              <a:rPr lang="en-US" dirty="0"/>
-              <a:t> link function. How does this change your results? </a:t>
-            </a:r>
+            <a:endParaRPr lang="en-US" dirty="0"/>
+          </a:p>
+          <a:p>
+            <a:endParaRPr lang="en-US" dirty="0"/>
+          </a:p>
+          <a:p>
+            <a:endParaRPr lang="en-US" dirty="0"/>
           </a:p>
         </p:txBody>
       </p:sp>
     </p:spTree>
     <p:extLst>
       <p:ext uri="{BB962C8B-B14F-4D97-AF65-F5344CB8AC3E}">
-        <p14:creationId xmlns:p14="http://schemas.microsoft.com/office/powerpoint/2010/main" val="881962046"/>
+        <p14:creationId xmlns:p14="http://schemas.microsoft.com/office/powerpoint/2010/main" val="3266337322"/>
       </p:ext>
     </p:extLst>
   </p:cSld>
@@ -6628,7 +6587,7 @@
           <a:p>
             <a:r>
               <a:rPr lang="en-US" dirty="0"/>
-              <a:t>Advanced topics</a:t>
+              <a:t>Problems</a:t>
             </a:r>
           </a:p>
         </p:txBody>
@@ -6643,39 +6602,170 @@
             <p:ph idx="1"/>
           </p:nvPr>
         </p:nvSpPr>
-        <p:spPr/>
-        <p:txBody>
-          <a:bodyPr/>
-          <a:lstStyle/>
-          <a:p>
-            <a:r>
-              <a:rPr lang="en-US" dirty="0"/>
-              <a:t>Models with near constant response - Bayesian GLMs and bias-reduction </a:t>
+        <p:spPr>
+          <a:xfrm>
+            <a:off x="838200" y="1311965"/>
+            <a:ext cx="10515600" cy="4864998"/>
+          </a:xfrm>
+        </p:spPr>
+        <p:txBody>
+          <a:bodyPr/>
+          <a:lstStyle/>
+          <a:p>
+            <a:pPr marL="514350" marR="0" lvl="0" indent="-514350" defTabSz="914400" eaLnBrk="1" fontAlgn="auto" latinLnBrk="0" hangingPunct="1">
+              <a:lnSpc>
+                <a:spcPct val="100000"/>
+              </a:lnSpc>
+              <a:spcBef>
+                <a:spcPts val="0"/>
+              </a:spcBef>
+              <a:spcAft>
+                <a:spcPts val="0"/>
+              </a:spcAft>
+              <a:buClrTx/>
+              <a:buSzTx/>
+              <a:buFontTx/>
+              <a:buAutoNum type="arabicPeriod"/>
+              <a:tabLst/>
+              <a:defRPr/>
+            </a:pPr>
+            <a:r>
+              <a:rPr lang="en-US" dirty="0"/>
+              <a:t>How does the effect of time of day vary with light conditions on lizard perching behavior?</a:t>
+            </a:r>
+          </a:p>
+          <a:p>
+            <a:pPr marL="514350" marR="0" lvl="0" indent="-514350" defTabSz="914400" eaLnBrk="1" fontAlgn="auto" latinLnBrk="0" hangingPunct="1">
+              <a:lnSpc>
+                <a:spcPct val="100000"/>
+              </a:lnSpc>
+              <a:spcBef>
+                <a:spcPts val="0"/>
+              </a:spcBef>
+              <a:spcAft>
+                <a:spcPts val="0"/>
+              </a:spcAft>
+              <a:buClrTx/>
+              <a:buSzTx/>
+              <a:buFontTx/>
+              <a:buAutoNum type="arabicPeriod"/>
+              <a:tabLst/>
+              <a:defRPr/>
+            </a:pPr>
+            <a:endParaRPr lang="en-US" dirty="0"/>
+          </a:p>
+          <a:p>
+            <a:pPr marL="514350" marR="0" lvl="0" indent="-514350" defTabSz="914400" eaLnBrk="1" fontAlgn="auto" latinLnBrk="0" hangingPunct="1">
+              <a:lnSpc>
+                <a:spcPct val="100000"/>
+              </a:lnSpc>
+              <a:spcBef>
+                <a:spcPts val="0"/>
+              </a:spcBef>
+              <a:spcAft>
+                <a:spcPts val="0"/>
+              </a:spcAft>
+              <a:buClrTx/>
+              <a:buSzTx/>
+              <a:buFontTx/>
+              <a:buAutoNum type="arabicPeriod"/>
+              <a:tabLst/>
+              <a:defRPr/>
+            </a:pPr>
+            <a:endParaRPr lang="en-US" dirty="0"/>
+          </a:p>
+          <a:p>
+            <a:pPr marL="514350" marR="0" lvl="0" indent="-514350" defTabSz="914400" eaLnBrk="1" fontAlgn="auto" latinLnBrk="0" hangingPunct="1">
+              <a:lnSpc>
+                <a:spcPct val="100000"/>
+              </a:lnSpc>
+              <a:spcBef>
+                <a:spcPts val="0"/>
+              </a:spcBef>
+              <a:spcAft>
+                <a:spcPts val="0"/>
+              </a:spcAft>
+              <a:buClrTx/>
+              <a:buSzTx/>
+              <a:buFontTx/>
+              <a:buAutoNum type="arabicPeriod"/>
+              <a:tabLst/>
+              <a:defRPr/>
+            </a:pPr>
+            <a:r>
+              <a:rPr lang="en-US" dirty="0"/>
+              <a:t>Can you think of any issues with the bat data that should be a concern, based on our list of common mistakes? </a:t>
+            </a:r>
+          </a:p>
+          <a:p>
+            <a:pPr marL="514350" marR="0" lvl="0" indent="-514350" defTabSz="914400" eaLnBrk="1" fontAlgn="auto" latinLnBrk="0" hangingPunct="1">
+              <a:lnSpc>
+                <a:spcPct val="100000"/>
+              </a:lnSpc>
+              <a:spcBef>
+                <a:spcPts val="0"/>
+              </a:spcBef>
+              <a:spcAft>
+                <a:spcPts val="0"/>
+              </a:spcAft>
+              <a:buClrTx/>
+              <a:buSzTx/>
+              <a:buFontTx/>
+              <a:buAutoNum type="arabicPeriod"/>
+              <a:tabLst/>
+              <a:defRPr/>
+            </a:pPr>
+            <a:endParaRPr lang="en-US" dirty="0"/>
+          </a:p>
+          <a:p>
+            <a:pPr marL="514350" marR="0" lvl="0" indent="-514350" defTabSz="914400" eaLnBrk="1" fontAlgn="auto" latinLnBrk="0" hangingPunct="1">
+              <a:lnSpc>
+                <a:spcPct val="100000"/>
+              </a:lnSpc>
+              <a:spcBef>
+                <a:spcPts val="0"/>
+              </a:spcBef>
+              <a:spcAft>
+                <a:spcPts val="0"/>
+              </a:spcAft>
+              <a:buClrTx/>
+              <a:buSzTx/>
+              <a:buFontTx/>
+              <a:buAutoNum type="arabicPeriod"/>
+              <a:tabLst/>
+              <a:defRPr/>
+            </a:pPr>
+            <a:endParaRPr lang="en-US" dirty="0"/>
+          </a:p>
+          <a:p>
+            <a:pPr marL="514350" marR="0" lvl="0" indent="-514350" defTabSz="914400" eaLnBrk="1" fontAlgn="auto" latinLnBrk="0" hangingPunct="1">
+              <a:lnSpc>
+                <a:spcPct val="100000"/>
+              </a:lnSpc>
+              <a:spcBef>
+                <a:spcPts val="0"/>
+              </a:spcBef>
+              <a:spcAft>
+                <a:spcPts val="0"/>
+              </a:spcAft>
+              <a:buClrTx/>
+              <a:buSzTx/>
+              <a:buFontTx/>
+              <a:buAutoNum type="arabicPeriod"/>
+              <a:tabLst/>
+              <a:defRPr/>
+            </a:pPr>
+            <a:r>
+              <a:rPr lang="en-US" dirty="0"/>
+              <a:t>Re-run our binomial GLM with a </a:t>
             </a:r>
             <a:r>
               <a:rPr lang="en-US" dirty="0" err="1"/>
-              <a:t>glm</a:t>
-            </a:r>
-            <a:r>
-              <a:rPr lang="en-US" dirty="0"/>
-              <a:t> (</a:t>
-            </a:r>
-            <a:r>
-              <a:rPr lang="en-US" dirty="0" err="1"/>
-              <a:t>brglm</a:t>
-            </a:r>
-            <a:r>
-              <a:rPr lang="en-US" dirty="0"/>
-              <a:t>)</a:t>
-            </a:r>
-          </a:p>
-          <a:p>
-            <a:endParaRPr lang="en-US" dirty="0"/>
-          </a:p>
-          <a:p>
-            <a:r>
-              <a:rPr lang="en-US" dirty="0"/>
-              <a:t>Zero-inflated models</a:t>
+              <a:t>probit</a:t>
+            </a:r>
+            <a:r>
+              <a:rPr lang="en-US" dirty="0"/>
+              <a:t> link function. How does this change your results? </a:t>
             </a:r>
           </a:p>
         </p:txBody>
@@ -6683,7 +6773,106 @@
     </p:spTree>
     <p:extLst>
       <p:ext uri="{BB962C8B-B14F-4D97-AF65-F5344CB8AC3E}">
-        <p14:creationId xmlns:p14="http://schemas.microsoft.com/office/powerpoint/2010/main" val="1837932001"/>
+        <p14:creationId xmlns:p14="http://schemas.microsoft.com/office/powerpoint/2010/main" val="356034847"/>
+      </p:ext>
+    </p:extLst>
+  </p:cSld>
+  <p:clrMapOvr>
+    <a:masterClrMapping/>
+  </p:clrMapOvr>
+</p:sld>
+</file>
+
+<file path=ppt/slides/slide33.xml><?xml version="1.0" encoding="utf-8"?>
+<p:sld xmlns:a="http://schemas.openxmlformats.org/drawingml/2006/main" xmlns:r="http://schemas.openxmlformats.org/officeDocument/2006/relationships" xmlns:p="http://schemas.openxmlformats.org/presentationml/2006/main">
+  <p:cSld>
+    <p:spTree>
+      <p:nvGrpSpPr>
+        <p:cNvPr id="1" name=""/>
+        <p:cNvGrpSpPr/>
+        <p:nvPr/>
+      </p:nvGrpSpPr>
+      <p:grpSpPr>
+        <a:xfrm>
+          <a:off x="0" y="0"/>
+          <a:ext cx="0" cy="0"/>
+          <a:chOff x="0" y="0"/>
+          <a:chExt cx="0" cy="0"/>
+        </a:xfrm>
+      </p:grpSpPr>
+      <p:sp>
+        <p:nvSpPr>
+          <p:cNvPr id="2" name="Title 1"/>
+          <p:cNvSpPr>
+            <a:spLocks noGrp="1"/>
+          </p:cNvSpPr>
+          <p:nvPr>
+            <p:ph type="title"/>
+          </p:nvPr>
+        </p:nvSpPr>
+        <p:spPr/>
+        <p:txBody>
+          <a:bodyPr/>
+          <a:lstStyle/>
+          <a:p>
+            <a:r>
+              <a:rPr lang="en-US" dirty="0"/>
+              <a:t>Advanced topics</a:t>
+            </a:r>
+          </a:p>
+        </p:txBody>
+      </p:sp>
+      <p:sp>
+        <p:nvSpPr>
+          <p:cNvPr id="3" name="Content Placeholder 2"/>
+          <p:cNvSpPr>
+            <a:spLocks noGrp="1"/>
+          </p:cNvSpPr>
+          <p:nvPr>
+            <p:ph idx="1"/>
+          </p:nvPr>
+        </p:nvSpPr>
+        <p:spPr/>
+        <p:txBody>
+          <a:bodyPr/>
+          <a:lstStyle/>
+          <a:p>
+            <a:r>
+              <a:rPr lang="en-US" dirty="0"/>
+              <a:t>Models with near constant response - Bayesian GLMs and bias-reduction </a:t>
+            </a:r>
+            <a:r>
+              <a:rPr lang="en-US" dirty="0" err="1"/>
+              <a:t>glm</a:t>
+            </a:r>
+            <a:r>
+              <a:rPr lang="en-US" dirty="0"/>
+              <a:t> (</a:t>
+            </a:r>
+            <a:r>
+              <a:rPr lang="en-US" dirty="0" err="1"/>
+              <a:t>brglm</a:t>
+            </a:r>
+            <a:r>
+              <a:rPr lang="en-US" dirty="0"/>
+              <a:t>)</a:t>
+            </a:r>
+          </a:p>
+          <a:p>
+            <a:endParaRPr lang="en-US" dirty="0"/>
+          </a:p>
+          <a:p>
+            <a:r>
+              <a:rPr lang="en-US" dirty="0"/>
+              <a:t>Zero-inflated models</a:t>
+            </a:r>
+          </a:p>
+        </p:txBody>
+      </p:sp>
+    </p:spTree>
+    <p:extLst>
+      <p:ext uri="{BB962C8B-B14F-4D97-AF65-F5344CB8AC3E}">
+        <p14:creationId xmlns:p14="http://schemas.microsoft.com/office/powerpoint/2010/main" val="1824148559"/>
       </p:ext>
     </p:extLst>
   </p:cSld>

--- a/lectures/le10_glms.pptx
+++ b/lectures/le10_glms.pptx
@@ -5,42 +5,43 @@
     <p:sldMasterId id="2147483648" r:id="rId1"/>
   </p:sldMasterIdLst>
   <p:notesMasterIdLst>
-    <p:notesMasterId r:id="rId35"/>
+    <p:notesMasterId r:id="rId36"/>
   </p:notesMasterIdLst>
   <p:sldIdLst>
     <p:sldId id="256" r:id="rId2"/>
     <p:sldId id="257" r:id="rId3"/>
     <p:sldId id="264" r:id="rId4"/>
     <p:sldId id="265" r:id="rId5"/>
-    <p:sldId id="258" r:id="rId6"/>
-    <p:sldId id="266" r:id="rId7"/>
-    <p:sldId id="267" r:id="rId8"/>
-    <p:sldId id="268" r:id="rId9"/>
-    <p:sldId id="269" r:id="rId10"/>
-    <p:sldId id="270" r:id="rId11"/>
-    <p:sldId id="271" r:id="rId12"/>
-    <p:sldId id="272" r:id="rId13"/>
-    <p:sldId id="292" r:id="rId14"/>
-    <p:sldId id="259" r:id="rId15"/>
-    <p:sldId id="291" r:id="rId16"/>
-    <p:sldId id="273" r:id="rId17"/>
-    <p:sldId id="274" r:id="rId18"/>
-    <p:sldId id="275" r:id="rId19"/>
-    <p:sldId id="276" r:id="rId20"/>
-    <p:sldId id="283" r:id="rId21"/>
-    <p:sldId id="288" r:id="rId22"/>
-    <p:sldId id="289" r:id="rId23"/>
-    <p:sldId id="278" r:id="rId24"/>
-    <p:sldId id="277" r:id="rId25"/>
-    <p:sldId id="285" r:id="rId26"/>
-    <p:sldId id="286" r:id="rId27"/>
-    <p:sldId id="290" r:id="rId28"/>
-    <p:sldId id="279" r:id="rId29"/>
-    <p:sldId id="282" r:id="rId30"/>
-    <p:sldId id="284" r:id="rId31"/>
-    <p:sldId id="293" r:id="rId32"/>
-    <p:sldId id="260" r:id="rId33"/>
-    <p:sldId id="263" r:id="rId34"/>
+    <p:sldId id="294" r:id="rId6"/>
+    <p:sldId id="258" r:id="rId7"/>
+    <p:sldId id="266" r:id="rId8"/>
+    <p:sldId id="267" r:id="rId9"/>
+    <p:sldId id="268" r:id="rId10"/>
+    <p:sldId id="269" r:id="rId11"/>
+    <p:sldId id="270" r:id="rId12"/>
+    <p:sldId id="271" r:id="rId13"/>
+    <p:sldId id="272" r:id="rId14"/>
+    <p:sldId id="292" r:id="rId15"/>
+    <p:sldId id="259" r:id="rId16"/>
+    <p:sldId id="291" r:id="rId17"/>
+    <p:sldId id="273" r:id="rId18"/>
+    <p:sldId id="274" r:id="rId19"/>
+    <p:sldId id="275" r:id="rId20"/>
+    <p:sldId id="276" r:id="rId21"/>
+    <p:sldId id="283" r:id="rId22"/>
+    <p:sldId id="288" r:id="rId23"/>
+    <p:sldId id="289" r:id="rId24"/>
+    <p:sldId id="278" r:id="rId25"/>
+    <p:sldId id="277" r:id="rId26"/>
+    <p:sldId id="285" r:id="rId27"/>
+    <p:sldId id="286" r:id="rId28"/>
+    <p:sldId id="290" r:id="rId29"/>
+    <p:sldId id="279" r:id="rId30"/>
+    <p:sldId id="282" r:id="rId31"/>
+    <p:sldId id="284" r:id="rId32"/>
+    <p:sldId id="293" r:id="rId33"/>
+    <p:sldId id="260" r:id="rId34"/>
+    <p:sldId id="263" r:id="rId35"/>
   </p:sldIdLst>
   <p:sldSz cx="12192000" cy="6858000"/>
   <p:notesSz cx="6858000" cy="9144000"/>
@@ -229,7 +230,7 @@
           <a:p>
             <a:fld id="{755658C5-F96F-2B48-913E-225971413D7B}" type="datetimeFigureOut">
               <a:rPr lang="en-US" smtClean="0"/>
-              <a:t>4/2/19</a:t>
+              <a:t>4/7/20</a:t>
             </a:fld>
             <a:endParaRPr lang="en-US"/>
           </a:p>
@@ -625,7 +626,7 @@
           <a:p>
             <a:fld id="{26D9FEE1-29C5-B447-AA78-24FC37BCF137}" type="datetimeFigureOut">
               <a:rPr lang="en-US" smtClean="0"/>
-              <a:t>4/2/19</a:t>
+              <a:t>4/7/20</a:t>
             </a:fld>
             <a:endParaRPr lang="en-US"/>
           </a:p>
@@ -793,7 +794,7 @@
           <a:p>
             <a:fld id="{26D9FEE1-29C5-B447-AA78-24FC37BCF137}" type="datetimeFigureOut">
               <a:rPr lang="en-US" smtClean="0"/>
-              <a:t>4/2/19</a:t>
+              <a:t>4/7/20</a:t>
             </a:fld>
             <a:endParaRPr lang="en-US"/>
           </a:p>
@@ -971,7 +972,7 @@
           <a:p>
             <a:fld id="{26D9FEE1-29C5-B447-AA78-24FC37BCF137}" type="datetimeFigureOut">
               <a:rPr lang="en-US" smtClean="0"/>
-              <a:t>4/2/19</a:t>
+              <a:t>4/7/20</a:t>
             </a:fld>
             <a:endParaRPr lang="en-US"/>
           </a:p>
@@ -1139,7 +1140,7 @@
           <a:p>
             <a:fld id="{26D9FEE1-29C5-B447-AA78-24FC37BCF137}" type="datetimeFigureOut">
               <a:rPr lang="en-US" smtClean="0"/>
-              <a:t>4/2/19</a:t>
+              <a:t>4/7/20</a:t>
             </a:fld>
             <a:endParaRPr lang="en-US"/>
           </a:p>
@@ -1384,7 +1385,7 @@
           <a:p>
             <a:fld id="{26D9FEE1-29C5-B447-AA78-24FC37BCF137}" type="datetimeFigureOut">
               <a:rPr lang="en-US" smtClean="0"/>
-              <a:t>4/2/19</a:t>
+              <a:t>4/7/20</a:t>
             </a:fld>
             <a:endParaRPr lang="en-US"/>
           </a:p>
@@ -1613,7 +1614,7 @@
           <a:p>
             <a:fld id="{26D9FEE1-29C5-B447-AA78-24FC37BCF137}" type="datetimeFigureOut">
               <a:rPr lang="en-US" smtClean="0"/>
-              <a:t>4/2/19</a:t>
+              <a:t>4/7/20</a:t>
             </a:fld>
             <a:endParaRPr lang="en-US"/>
           </a:p>
@@ -1977,7 +1978,7 @@
           <a:p>
             <a:fld id="{26D9FEE1-29C5-B447-AA78-24FC37BCF137}" type="datetimeFigureOut">
               <a:rPr lang="en-US" smtClean="0"/>
-              <a:t>4/2/19</a:t>
+              <a:t>4/7/20</a:t>
             </a:fld>
             <a:endParaRPr lang="en-US"/>
           </a:p>
@@ -2094,7 +2095,7 @@
           <a:p>
             <a:fld id="{26D9FEE1-29C5-B447-AA78-24FC37BCF137}" type="datetimeFigureOut">
               <a:rPr lang="en-US" smtClean="0"/>
-              <a:t>4/2/19</a:t>
+              <a:t>4/7/20</a:t>
             </a:fld>
             <a:endParaRPr lang="en-US"/>
           </a:p>
@@ -2189,7 +2190,7 @@
           <a:p>
             <a:fld id="{26D9FEE1-29C5-B447-AA78-24FC37BCF137}" type="datetimeFigureOut">
               <a:rPr lang="en-US" smtClean="0"/>
-              <a:t>4/2/19</a:t>
+              <a:t>4/7/20</a:t>
             </a:fld>
             <a:endParaRPr lang="en-US"/>
           </a:p>
@@ -2464,7 +2465,7 @@
           <a:p>
             <a:fld id="{26D9FEE1-29C5-B447-AA78-24FC37BCF137}" type="datetimeFigureOut">
               <a:rPr lang="en-US" smtClean="0"/>
-              <a:t>4/2/19</a:t>
+              <a:t>4/7/20</a:t>
             </a:fld>
             <a:endParaRPr lang="en-US"/>
           </a:p>
@@ -2716,7 +2717,7 @@
           <a:p>
             <a:fld id="{26D9FEE1-29C5-B447-AA78-24FC37BCF137}" type="datetimeFigureOut">
               <a:rPr lang="en-US" smtClean="0"/>
-              <a:t>4/2/19</a:t>
+              <a:t>4/7/20</a:t>
             </a:fld>
             <a:endParaRPr lang="en-US"/>
           </a:p>
@@ -2927,7 +2928,7 @@
           <a:p>
             <a:fld id="{26D9FEE1-29C5-B447-AA78-24FC37BCF137}" type="datetimeFigureOut">
               <a:rPr lang="en-US" smtClean="0"/>
-              <a:t>4/2/19</a:t>
+              <a:t>4/7/20</a:t>
             </a:fld>
             <a:endParaRPr lang="en-US"/>
           </a:p>
@@ -3420,6 +3421,112 @@
           <a:p>
             <a:r>
               <a:rPr lang="en-US" dirty="0"/>
+              <a:t>Link functions</a:t>
+            </a:r>
+          </a:p>
+        </p:txBody>
+      </p:sp>
+      <p:sp>
+        <p:nvSpPr>
+          <p:cNvPr id="3" name="Content Placeholder 2"/>
+          <p:cNvSpPr>
+            <a:spLocks noGrp="1"/>
+          </p:cNvSpPr>
+          <p:nvPr>
+            <p:ph idx="1"/>
+          </p:nvPr>
+        </p:nvSpPr>
+        <p:spPr/>
+        <p:txBody>
+          <a:bodyPr>
+            <a:normAutofit fontScale="92500" lnSpcReduction="10000"/>
+          </a:bodyPr>
+          <a:lstStyle/>
+          <a:p>
+            <a:r>
+              <a:rPr lang="en-US" dirty="0"/>
+              <a:t>Links functions “linearize” the data</a:t>
+            </a:r>
+          </a:p>
+          <a:p>
+            <a:endParaRPr lang="en-US" dirty="0"/>
+          </a:p>
+          <a:p>
+            <a:r>
+              <a:rPr lang="en-US" dirty="0"/>
+              <a:t>Link functions apply a function to fit a data on a linear scale while calculating the expected variance on the untransformed scale in order to correct for distortions that linearization would normally cause</a:t>
+            </a:r>
+          </a:p>
+          <a:p>
+            <a:endParaRPr lang="en-US" dirty="0"/>
+          </a:p>
+          <a:p>
+            <a:r>
+              <a:rPr lang="en-US" dirty="0"/>
+              <a:t>All distributions have a canonical (or standard) link which are generally fine to use</a:t>
+            </a:r>
+          </a:p>
+          <a:p>
+            <a:endParaRPr lang="en-US" dirty="0"/>
+          </a:p>
+          <a:p>
+            <a:r>
+              <a:rPr lang="en-US" dirty="0"/>
+              <a:t>One exception might be the Gamma, often the “log” link is used instead of the standard “inverse” link </a:t>
+            </a:r>
+          </a:p>
+          <a:p>
+            <a:endParaRPr lang="en-US" dirty="0"/>
+          </a:p>
+        </p:txBody>
+      </p:sp>
+    </p:spTree>
+    <p:extLst>
+      <p:ext uri="{BB962C8B-B14F-4D97-AF65-F5344CB8AC3E}">
+        <p14:creationId xmlns:p14="http://schemas.microsoft.com/office/powerpoint/2010/main" val="752160629"/>
+      </p:ext>
+    </p:extLst>
+  </p:cSld>
+  <p:clrMapOvr>
+    <a:masterClrMapping/>
+  </p:clrMapOvr>
+</p:sld>
+</file>
+
+<file path=ppt/slides/slide11.xml><?xml version="1.0" encoding="utf-8"?>
+<p:sld xmlns:a="http://schemas.openxmlformats.org/drawingml/2006/main" xmlns:r="http://schemas.openxmlformats.org/officeDocument/2006/relationships" xmlns:p="http://schemas.openxmlformats.org/presentationml/2006/main">
+  <p:cSld>
+    <p:spTree>
+      <p:nvGrpSpPr>
+        <p:cNvPr id="1" name=""/>
+        <p:cNvGrpSpPr/>
+        <p:nvPr/>
+      </p:nvGrpSpPr>
+      <p:grpSpPr>
+        <a:xfrm>
+          <a:off x="0" y="0"/>
+          <a:ext cx="0" cy="0"/>
+          <a:chOff x="0" y="0"/>
+          <a:chExt cx="0" cy="0"/>
+        </a:xfrm>
+      </p:grpSpPr>
+      <p:sp>
+        <p:nvSpPr>
+          <p:cNvPr id="2" name="Title 1"/>
+          <p:cNvSpPr>
+            <a:spLocks noGrp="1"/>
+          </p:cNvSpPr>
+          <p:nvPr>
+            <p:ph type="title"/>
+          </p:nvPr>
+        </p:nvSpPr>
+        <p:spPr/>
+        <p:txBody>
+          <a:bodyPr/>
+          <a:lstStyle/>
+          <a:p>
+            <a:r>
+              <a:rPr lang="en-US" dirty="0"/>
               <a:t>Why use anything but the standard link?</a:t>
             </a:r>
           </a:p>
@@ -3460,7 +3567,7 @@
 </p:sld>
 </file>
 
-<file path=ppt/slides/slide11.xml><?xml version="1.0" encoding="utf-8"?>
+<file path=ppt/slides/slide12.xml><?xml version="1.0" encoding="utf-8"?>
 <p:sld xmlns:a="http://schemas.openxmlformats.org/drawingml/2006/main" xmlns:r="http://schemas.openxmlformats.org/officeDocument/2006/relationships" xmlns:p="http://schemas.openxmlformats.org/presentationml/2006/main">
   <p:cSld>
     <p:spTree>
@@ -3549,139 +3656,6 @@
 </p:sld>
 </file>
 
-<file path=ppt/slides/slide12.xml><?xml version="1.0" encoding="utf-8"?>
-<p:sld xmlns:a="http://schemas.openxmlformats.org/drawingml/2006/main" xmlns:r="http://schemas.openxmlformats.org/officeDocument/2006/relationships" xmlns:p="http://schemas.openxmlformats.org/presentationml/2006/main">
-  <p:cSld>
-    <p:spTree>
-      <p:nvGrpSpPr>
-        <p:cNvPr id="1" name=""/>
-        <p:cNvGrpSpPr/>
-        <p:nvPr/>
-      </p:nvGrpSpPr>
-      <p:grpSpPr>
-        <a:xfrm>
-          <a:off x="0" y="0"/>
-          <a:ext cx="0" cy="0"/>
-          <a:chOff x="0" y="0"/>
-          <a:chExt cx="0" cy="0"/>
-        </a:xfrm>
-      </p:grpSpPr>
-      <p:sp>
-        <p:nvSpPr>
-          <p:cNvPr id="2" name="Title 1"/>
-          <p:cNvSpPr>
-            <a:spLocks noGrp="1"/>
-          </p:cNvSpPr>
-          <p:nvPr>
-            <p:ph type="title"/>
-          </p:nvPr>
-        </p:nvSpPr>
-        <p:spPr/>
-        <p:txBody>
-          <a:bodyPr/>
-          <a:lstStyle/>
-          <a:p>
-            <a:r>
-              <a:rPr lang="en-US" dirty="0"/>
-              <a:t>How does it work?</a:t>
-            </a:r>
-          </a:p>
-        </p:txBody>
-      </p:sp>
-      <p:sp>
-        <p:nvSpPr>
-          <p:cNvPr id="3" name="Content Placeholder 2"/>
-          <p:cNvSpPr>
-            <a:spLocks noGrp="1"/>
-          </p:cNvSpPr>
-          <p:nvPr>
-            <p:ph idx="1"/>
-          </p:nvPr>
-        </p:nvSpPr>
-        <p:spPr/>
-        <p:txBody>
-          <a:bodyPr/>
-          <a:lstStyle/>
-          <a:p>
-            <a:r>
-              <a:rPr lang="en-US" dirty="0"/>
-              <a:t>GLMs are fit by  maximum likelihood</a:t>
-            </a:r>
-          </a:p>
-          <a:p>
-            <a:pPr lvl="1"/>
-            <a:r>
-              <a:rPr lang="en-US" dirty="0"/>
-              <a:t>Specifically, by using an iteratively weighted least squares algorithm (which is different than least squares). </a:t>
-            </a:r>
-          </a:p>
-          <a:p>
-            <a:endParaRPr lang="en-US" dirty="0"/>
-          </a:p>
-          <a:p>
-            <a:r>
-              <a:rPr lang="en-US" dirty="0"/>
-              <a:t>The fit does not apply the link function to the responses, rather is applies the </a:t>
-            </a:r>
-            <a:r>
-              <a:rPr lang="en-US" i="1" dirty="0"/>
-              <a:t>inverse</a:t>
-            </a:r>
-            <a:r>
-              <a:rPr lang="en-US" dirty="0"/>
-              <a:t> link function to the predictor</a:t>
-            </a:r>
-          </a:p>
-          <a:p>
-            <a:pPr marL="0" indent="0">
-              <a:buNone/>
-            </a:pPr>
-            <a:r>
-              <a:rPr lang="en-US" dirty="0"/>
-              <a:t>e.g. For Poisson, instead of log(y)∼x, we analyze </a:t>
-            </a:r>
-            <a:r>
-              <a:rPr lang="en-US" dirty="0" err="1"/>
-              <a:t>y∼Poisson</a:t>
-            </a:r>
-            <a:r>
-              <a:rPr lang="en-US" dirty="0"/>
-              <a:t>(</a:t>
-            </a:r>
-            <a:r>
-              <a:rPr lang="en-US" dirty="0" err="1"/>
-              <a:t>exp</a:t>
-            </a:r>
-            <a:r>
-              <a:rPr lang="en-US" dirty="0"/>
-              <a:t>(x))</a:t>
-            </a:r>
-          </a:p>
-          <a:p>
-            <a:pPr lvl="1"/>
-            <a:r>
-              <a:rPr lang="en-US" dirty="0"/>
-              <a:t>This is good because the observed value of y might be 0!	</a:t>
-            </a:r>
-          </a:p>
-          <a:p>
-            <a:endParaRPr lang="en-US" dirty="0"/>
-          </a:p>
-        </p:txBody>
-      </p:sp>
-    </p:spTree>
-    <p:extLst>
-      <p:ext uri="{BB962C8B-B14F-4D97-AF65-F5344CB8AC3E}">
-        <p14:creationId xmlns:p14="http://schemas.microsoft.com/office/powerpoint/2010/main" val="1858034994"/>
-      </p:ext>
-    </p:extLst>
-  </p:cSld>
-  <p:clrMapOvr>
-    <a:masterClrMapping/>
-  </p:clrMapOvr>
-</p:sld>
-</file>
-
 <file path=ppt/slides/slide13.xml><?xml version="1.0" encoding="utf-8"?>
 <p:sld xmlns:a="http://schemas.openxmlformats.org/drawingml/2006/main" xmlns:r="http://schemas.openxmlformats.org/officeDocument/2006/relationships" xmlns:p="http://schemas.openxmlformats.org/presentationml/2006/main">
   <p:cSld>
@@ -3701,13 +3675,7 @@
       </p:grpSpPr>
       <p:sp>
         <p:nvSpPr>
-          <p:cNvPr id="2" name="Title 1">
-            <a:extLst>
-              <a:ext uri="{FF2B5EF4-FFF2-40B4-BE49-F238E27FC236}">
-                <a16:creationId xmlns:a16="http://schemas.microsoft.com/office/drawing/2014/main" id="{BE700D10-B3D3-5B49-8F6E-109897DCA367}"/>
-              </a:ext>
-            </a:extLst>
-          </p:cNvPr>
+          <p:cNvPr id="2" name="Title 1"/>
           <p:cNvSpPr>
             <a:spLocks noGrp="1"/>
           </p:cNvSpPr>
@@ -3720,23 +3688,16 @@
           <a:bodyPr/>
           <a:lstStyle/>
           <a:p>
-            <a:pPr algn="ctr"/>
-            <a:r>
-              <a:rPr lang="en-US" dirty="0"/>
-              <a:t>Maximum likelihood vs least squares</a:t>
-            </a:r>
-          </a:p>
-        </p:txBody>
-      </p:sp>
-      <p:sp>
-        <p:nvSpPr>
-          <p:cNvPr id="3" name="Content Placeholder 2">
-            <a:extLst>
-              <a:ext uri="{FF2B5EF4-FFF2-40B4-BE49-F238E27FC236}">
-                <a16:creationId xmlns:a16="http://schemas.microsoft.com/office/drawing/2014/main" id="{2DC1950C-BEE6-C648-A102-2BFC6B1CD4F4}"/>
-              </a:ext>
-            </a:extLst>
-          </p:cNvPr>
+            <a:r>
+              <a:rPr lang="en-US" dirty="0"/>
+              <a:t>How does it work?</a:t>
+            </a:r>
+          </a:p>
+        </p:txBody>
+      </p:sp>
+      <p:sp>
+        <p:nvSpPr>
+          <p:cNvPr id="3" name="Content Placeholder 2"/>
           <p:cNvSpPr>
             <a:spLocks noGrp="1"/>
           </p:cNvSpPr>
@@ -3746,85 +3707,79 @@
         </p:nvSpPr>
         <p:spPr/>
         <p:txBody>
-          <a:bodyPr>
-            <a:normAutofit fontScale="92500" lnSpcReduction="10000"/>
-          </a:bodyPr>
-          <a:lstStyle/>
-          <a:p>
-            <a:r>
-              <a:rPr lang="en-US" dirty="0"/>
-              <a:t>Least squares (</a:t>
+          <a:bodyPr/>
+          <a:lstStyle/>
+          <a:p>
+            <a:r>
+              <a:rPr lang="en-US" dirty="0"/>
+              <a:t>GLMs are fit by  maximum likelihood</a:t>
+            </a:r>
+          </a:p>
+          <a:p>
+            <a:pPr lvl="1"/>
+            <a:r>
+              <a:rPr lang="en-US" dirty="0"/>
+              <a:t>Specifically, by using an iteratively weighted least squares algorithm (which is different than least squares). </a:t>
+            </a:r>
+          </a:p>
+          <a:p>
+            <a:endParaRPr lang="en-US" dirty="0"/>
+          </a:p>
+          <a:p>
+            <a:r>
+              <a:rPr lang="en-US" dirty="0"/>
+              <a:t>The fit does not apply the link function to the responses, rather is applies the </a:t>
+            </a:r>
+            <a:r>
+              <a:rPr lang="en-US" i="1" dirty="0"/>
+              <a:t>inverse</a:t>
+            </a:r>
+            <a:r>
+              <a:rPr lang="en-US" dirty="0"/>
+              <a:t> link function to the predictor</a:t>
+            </a:r>
+          </a:p>
+          <a:p>
+            <a:pPr marL="0" indent="0">
+              <a:buNone/>
+            </a:pPr>
+            <a:r>
+              <a:rPr lang="en-US" dirty="0"/>
+              <a:t>e.g. For Poisson, instead of log(y)∼x, we analyze </a:t>
             </a:r>
             <a:r>
               <a:rPr lang="en-US" dirty="0" err="1"/>
-              <a:t>lms</a:t>
-            </a:r>
-            <a:r>
-              <a:rPr lang="en-US" dirty="0"/>
-              <a:t>) minimizes the sum of the squared residuals</a:t>
+              <a:t>y∼Poisson</a:t>
+            </a:r>
+            <a:r>
+              <a:rPr lang="en-US" dirty="0"/>
+              <a:t>(</a:t>
+            </a:r>
+            <a:r>
+              <a:rPr lang="en-US" dirty="0" err="1"/>
+              <a:t>exp</a:t>
+            </a:r>
+            <a:r>
+              <a:rPr lang="en-US" dirty="0"/>
+              <a:t>(x))</a:t>
             </a:r>
           </a:p>
           <a:p>
             <a:pPr lvl="1"/>
             <a:r>
               <a:rPr lang="en-US" dirty="0"/>
-              <a:t>Fitting with least squares has lots of nice properties, like the ability to calculate and R2 value</a:t>
-            </a:r>
-          </a:p>
-          <a:p>
-            <a:pPr lvl="1"/>
-            <a:r>
-              <a:rPr lang="en-US" dirty="0"/>
-              <a:t>R2 tells you how much variability in the dependent variable is explained by the model</a:t>
+              <a:t>This is good because the observed value of y might be 0!	</a:t>
             </a:r>
           </a:p>
           <a:p>
             <a:endParaRPr lang="en-US" dirty="0"/>
-          </a:p>
-          <a:p>
-            <a:r>
-              <a:rPr lang="en-US" dirty="0"/>
-              <a:t>Maximum likelihood fitting</a:t>
-            </a:r>
-          </a:p>
-          <a:p>
-            <a:pPr lvl="1"/>
-            <a:r>
-              <a:rPr lang="en-US" dirty="0"/>
-              <a:t>Finds the value of parameters that maximize the likelihood function </a:t>
-            </a:r>
-          </a:p>
-          <a:p>
-            <a:pPr lvl="2"/>
-            <a:r>
-              <a:rPr lang="en-US" dirty="0" err="1"/>
-              <a:t>Lik</a:t>
-            </a:r>
-            <a:r>
-              <a:rPr lang="en-US" dirty="0"/>
-              <a:t> function: is a function of how well the data summarizes the parameters of our selected probability distribution. Not the same as the probability density function. 	</a:t>
-            </a:r>
-          </a:p>
-          <a:p>
-            <a:pPr lvl="1"/>
-            <a:r>
-              <a:rPr lang="en-US" dirty="0"/>
-              <a:t>There is no simple way to get an R2. </a:t>
-            </a:r>
-          </a:p>
-          <a:p>
-            <a:pPr lvl="2"/>
-            <a:r>
-              <a:rPr lang="en-US" dirty="0"/>
-              <a:t>You can sometimes use pseudo-R2, but these should not be compared to models fit with least squares</a:t>
-            </a:r>
           </a:p>
         </p:txBody>
       </p:sp>
     </p:spTree>
     <p:extLst>
       <p:ext uri="{BB962C8B-B14F-4D97-AF65-F5344CB8AC3E}">
-        <p14:creationId xmlns:p14="http://schemas.microsoft.com/office/powerpoint/2010/main" val="1247246033"/>
+        <p14:creationId xmlns:p14="http://schemas.microsoft.com/office/powerpoint/2010/main" val="1858034994"/>
       </p:ext>
     </p:extLst>
   </p:cSld>
@@ -3853,7 +3808,13 @@
       </p:grpSpPr>
       <p:sp>
         <p:nvSpPr>
-          <p:cNvPr id="2" name="Title 1"/>
+          <p:cNvPr id="2" name="Title 1">
+            <a:extLst>
+              <a:ext uri="{FF2B5EF4-FFF2-40B4-BE49-F238E27FC236}">
+                <a16:creationId xmlns:a16="http://schemas.microsoft.com/office/drawing/2014/main" id="{BE700D10-B3D3-5B49-8F6E-109897DCA367}"/>
+              </a:ext>
+            </a:extLst>
+          </p:cNvPr>
           <p:cNvSpPr>
             <a:spLocks noGrp="1"/>
           </p:cNvSpPr>
@@ -3866,24 +3827,23 @@
           <a:bodyPr/>
           <a:lstStyle/>
           <a:p>
-            <a:r>
-              <a:rPr lang="en-US" dirty="0"/>
-              <a:t>Real world example </a:t>
-            </a:r>
-            <a:r>
-              <a:rPr lang="mr-IN" dirty="0"/>
-              <a:t>–</a:t>
-            </a:r>
-            <a:r>
-              <a:rPr lang="en-US" dirty="0"/>
-              <a:t> Infection and temperature</a:t>
-            </a:r>
-          </a:p>
-        </p:txBody>
-      </p:sp>
-      <p:sp>
-        <p:nvSpPr>
-          <p:cNvPr id="3" name="Content Placeholder 2"/>
+            <a:pPr algn="ctr"/>
+            <a:r>
+              <a:rPr lang="en-US" dirty="0"/>
+              <a:t>Maximum likelihood vs least squares</a:t>
+            </a:r>
+          </a:p>
+        </p:txBody>
+      </p:sp>
+      <p:sp>
+        <p:nvSpPr>
+          <p:cNvPr id="3" name="Content Placeholder 2">
+            <a:extLst>
+              <a:ext uri="{FF2B5EF4-FFF2-40B4-BE49-F238E27FC236}">
+                <a16:creationId xmlns:a16="http://schemas.microsoft.com/office/drawing/2014/main" id="{2DC1950C-BEE6-C648-A102-2BFC6B1CD4F4}"/>
+              </a:ext>
+            </a:extLst>
+          </p:cNvPr>
           <p:cNvSpPr>
             <a:spLocks noGrp="1"/>
           </p:cNvSpPr>
@@ -3893,63 +3853,85 @@
         </p:nvSpPr>
         <p:spPr/>
         <p:txBody>
-          <a:bodyPr/>
-          <a:lstStyle/>
-          <a:p>
-            <a:r>
-              <a:rPr lang="en-US" dirty="0"/>
-              <a:t>We want to model the effect of </a:t>
-            </a:r>
-            <a:r>
-              <a:rPr lang="en-US" u="sng" dirty="0"/>
-              <a:t>Temperature</a:t>
-            </a:r>
-            <a:r>
-              <a:rPr lang="en-US" dirty="0"/>
-              <a:t> on Probability of Infection (e.g. the response variable is an infected individual 0/1)</a:t>
+          <a:bodyPr>
+            <a:normAutofit fontScale="92500" lnSpcReduction="10000"/>
+          </a:bodyPr>
+          <a:lstStyle/>
+          <a:p>
+            <a:r>
+              <a:rPr lang="en-US" dirty="0"/>
+              <a:t>Least squares (</a:t>
+            </a:r>
+            <a:r>
+              <a:rPr lang="en-US" dirty="0" err="1"/>
+              <a:t>lms</a:t>
+            </a:r>
+            <a:r>
+              <a:rPr lang="en-US" dirty="0"/>
+              <a:t>) minimizes the sum of the squared residuals</a:t>
             </a:r>
           </a:p>
           <a:p>
             <a:pPr lvl="1"/>
             <a:r>
               <a:rPr lang="en-US" dirty="0"/>
-              <a:t>We know that as temperature increases, infection is higher</a:t>
+              <a:t>Fitting with least squares has lots of nice properties, like the ability to calculate and R2 value</a:t>
             </a:r>
           </a:p>
           <a:p>
             <a:pPr lvl="1"/>
             <a:r>
               <a:rPr lang="en-US" dirty="0"/>
-              <a:t>Probabilities are bounded on both ends (0,1)</a:t>
+              <a:t>R2 tells you how much variability in the dependent variable is explained by the model</a:t>
+            </a:r>
+          </a:p>
+          <a:p>
+            <a:endParaRPr lang="en-US" dirty="0"/>
+          </a:p>
+          <a:p>
+            <a:r>
+              <a:rPr lang="en-US" dirty="0"/>
+              <a:t>Maximum likelihood fitting</a:t>
             </a:r>
           </a:p>
           <a:p>
             <a:pPr lvl="1"/>
-            <a:endParaRPr lang="en-US" dirty="0"/>
+            <a:r>
+              <a:rPr lang="en-US" dirty="0"/>
+              <a:t>Finds the value of parameters that maximize the likelihood function </a:t>
+            </a:r>
+          </a:p>
+          <a:p>
+            <a:pPr lvl="2"/>
+            <a:r>
+              <a:rPr lang="en-US" dirty="0" err="1"/>
+              <a:t>Lik</a:t>
+            </a:r>
+            <a:r>
+              <a:rPr lang="en-US" dirty="0"/>
+              <a:t> function: is a function of how well the data summarizes the parameters of our selected probability distribution. Not the same as the probability density function. 	</a:t>
+            </a:r>
           </a:p>
           <a:p>
             <a:pPr lvl="1"/>
             <a:r>
               <a:rPr lang="en-US" dirty="0"/>
-              <a:t>If a change of 5 degrees makes an individual twice as likely to be infected, what does this mean in terms of probability?</a:t>
+              <a:t>There is no simple way to get an R2. </a:t>
             </a:r>
           </a:p>
           <a:p>
             <a:pPr lvl="2"/>
             <a:r>
               <a:rPr lang="en-US" dirty="0"/>
-              <a:t>If probability of infection is 70%, and temperature increases 5 degrees, what happens? (Hint: What happens if we double 70%?)</a:t>
-            </a:r>
-          </a:p>
-          <a:p>
-            <a:endParaRPr lang="en-US" dirty="0"/>
+              <a:t>You can sometimes use pseudo-R2, but these should not be compared to models fit with least squares</a:t>
+            </a:r>
           </a:p>
         </p:txBody>
       </p:sp>
     </p:spTree>
     <p:extLst>
       <p:ext uri="{BB962C8B-B14F-4D97-AF65-F5344CB8AC3E}">
-        <p14:creationId xmlns:p14="http://schemas.microsoft.com/office/powerpoint/2010/main" val="3553693150"/>
+        <p14:creationId xmlns:p14="http://schemas.microsoft.com/office/powerpoint/2010/main" val="1247246033"/>
       </p:ext>
     </p:extLst>
   </p:cSld>
@@ -3978,13 +3960,7 @@
       </p:grpSpPr>
       <p:sp>
         <p:nvSpPr>
-          <p:cNvPr id="2" name="Title 1">
-            <a:extLst>
-              <a:ext uri="{FF2B5EF4-FFF2-40B4-BE49-F238E27FC236}">
-                <a16:creationId xmlns:a16="http://schemas.microsoft.com/office/drawing/2014/main" id="{4B37E9E3-2C14-AF41-92B8-B6B92F5535B2}"/>
-              </a:ext>
-            </a:extLst>
-          </p:cNvPr>
+          <p:cNvPr id="2" name="Title 1"/>
           <p:cNvSpPr>
             <a:spLocks noGrp="1"/>
           </p:cNvSpPr>
@@ -3999,20 +3975,22 @@
           <a:p>
             <a:r>
               <a:rPr lang="en-US" dirty="0"/>
-              <a:t>Linearity and other distributions	</a:t>
-            </a:r>
-          </a:p>
-        </p:txBody>
-      </p:sp>
-      <p:sp>
-        <p:nvSpPr>
-          <p:cNvPr id="3" name="Content Placeholder 2">
-            <a:extLst>
-              <a:ext uri="{FF2B5EF4-FFF2-40B4-BE49-F238E27FC236}">
-                <a16:creationId xmlns:a16="http://schemas.microsoft.com/office/drawing/2014/main" id="{E2F1CD37-8685-D349-9B57-940852F93727}"/>
-              </a:ext>
-            </a:extLst>
-          </p:cNvPr>
+              <a:t>Real world example </a:t>
+            </a:r>
+            <a:r>
+              <a:rPr lang="mr-IN" dirty="0"/>
+              <a:t>–</a:t>
+            </a:r>
+            <a:r>
+              <a:rPr lang="en-US" dirty="0"/>
+              <a:t> Infection and temperature</a:t>
+            </a:r>
+          </a:p>
+        </p:txBody>
+      </p:sp>
+      <p:sp>
+        <p:nvSpPr>
+          <p:cNvPr id="3" name="Content Placeholder 2"/>
           <p:cNvSpPr>
             <a:spLocks noGrp="1"/>
           </p:cNvSpPr>
@@ -4027,15 +4005,66 @@
           <a:p>
             <a:r>
               <a:rPr lang="en-US" dirty="0"/>
-              <a:t>Increases in a predictor variable don’t always lead to corresponding increases in our outcome variable when the outcome variable is not normally distributed</a:t>
-            </a:r>
+              <a:t>We want to model the effect of </a:t>
+            </a:r>
+            <a:r>
+              <a:rPr lang="en-US" u="sng" dirty="0"/>
+              <a:t>Temperature</a:t>
+            </a:r>
+            <a:r>
+              <a:rPr lang="en-US" dirty="0"/>
+              <a:t> on </a:t>
+            </a:r>
+            <a:r>
+              <a:rPr lang="en-US" u="sng" dirty="0"/>
+              <a:t>Probability of Infection </a:t>
+            </a:r>
+            <a:r>
+              <a:rPr lang="en-US" dirty="0"/>
+              <a:t>(e.g. the response variable is an infected individual 0/1)</a:t>
+            </a:r>
+          </a:p>
+          <a:p>
+            <a:pPr lvl="1"/>
+            <a:r>
+              <a:rPr lang="en-US" dirty="0"/>
+              <a:t>We know that as temperature increases, infection is higher</a:t>
+            </a:r>
+          </a:p>
+          <a:p>
+            <a:pPr lvl="1"/>
+            <a:r>
+              <a:rPr lang="en-US" dirty="0"/>
+              <a:t>Probabilities are bounded on both ends (0,1)</a:t>
+            </a:r>
+          </a:p>
+          <a:p>
+            <a:pPr lvl="1"/>
+            <a:endParaRPr lang="en-US" dirty="0"/>
+          </a:p>
+          <a:p>
+            <a:pPr lvl="1"/>
+            <a:r>
+              <a:rPr lang="en-US" dirty="0"/>
+              <a:t>If a change of 5 degrees makes an individual twice as likely to be infected, what does this mean in terms of probability?</a:t>
+            </a:r>
+          </a:p>
+          <a:p>
+            <a:pPr lvl="2"/>
+            <a:r>
+              <a:rPr lang="en-US" dirty="0"/>
+              <a:t>If probability of infection is 70%, and temperature increases 5 degrees, what happens? (Hint: What happens if we double 70%?)</a:t>
+            </a:r>
+          </a:p>
+          <a:p>
+            <a:endParaRPr lang="en-US" dirty="0"/>
           </a:p>
         </p:txBody>
       </p:sp>
     </p:spTree>
     <p:extLst>
       <p:ext uri="{BB962C8B-B14F-4D97-AF65-F5344CB8AC3E}">
-        <p14:creationId xmlns:p14="http://schemas.microsoft.com/office/powerpoint/2010/main" val="4237838078"/>
+        <p14:creationId xmlns:p14="http://schemas.microsoft.com/office/powerpoint/2010/main" val="3553693150"/>
       </p:ext>
     </p:extLst>
   </p:cSld>
@@ -4064,7 +4093,13 @@
       </p:grpSpPr>
       <p:sp>
         <p:nvSpPr>
-          <p:cNvPr id="2" name="Title 1"/>
+          <p:cNvPr id="2" name="Title 1">
+            <a:extLst>
+              <a:ext uri="{FF2B5EF4-FFF2-40B4-BE49-F238E27FC236}">
+                <a16:creationId xmlns:a16="http://schemas.microsoft.com/office/drawing/2014/main" id="{4B37E9E3-2C14-AF41-92B8-B6B92F5535B2}"/>
+              </a:ext>
+            </a:extLst>
+          </p:cNvPr>
           <p:cNvSpPr>
             <a:spLocks noGrp="1"/>
           </p:cNvSpPr>
@@ -4079,14 +4114,20 @@
           <a:p>
             <a:r>
               <a:rPr lang="en-US" dirty="0"/>
-              <a:t>Interpreting GLMs output</a:t>
-            </a:r>
-          </a:p>
-        </p:txBody>
-      </p:sp>
-      <p:sp>
-        <p:nvSpPr>
-          <p:cNvPr id="3" name="Content Placeholder 2"/>
+              <a:t>Linearity and other distributions	</a:t>
+            </a:r>
+          </a:p>
+        </p:txBody>
+      </p:sp>
+      <p:sp>
+        <p:nvSpPr>
+          <p:cNvPr id="3" name="Content Placeholder 2">
+            <a:extLst>
+              <a:ext uri="{FF2B5EF4-FFF2-40B4-BE49-F238E27FC236}">
+                <a16:creationId xmlns:a16="http://schemas.microsoft.com/office/drawing/2014/main" id="{E2F1CD37-8685-D349-9B57-940852F93727}"/>
+              </a:ext>
+            </a:extLst>
+          </p:cNvPr>
           <p:cNvSpPr>
             <a:spLocks noGrp="1"/>
           </p:cNvSpPr>
@@ -4101,76 +4142,7 @@
           <a:p>
             <a:r>
               <a:rPr lang="en-US" dirty="0"/>
-              <a:t>As with </a:t>
-            </a:r>
-            <a:r>
-              <a:rPr lang="en-US" dirty="0" err="1"/>
-              <a:t>lms</a:t>
-            </a:r>
-            <a:r>
-              <a:rPr lang="en-US" dirty="0"/>
-              <a:t>, the change in the response reflects a change in input</a:t>
-            </a:r>
-          </a:p>
-          <a:p>
-            <a:r>
-              <a:rPr lang="en-US" dirty="0"/>
-              <a:t>However, interpreting GLMs is a bit harder than </a:t>
-            </a:r>
-            <a:r>
-              <a:rPr lang="en-US" dirty="0" err="1"/>
-              <a:t>lm’s</a:t>
-            </a:r>
-            <a:r>
-              <a:rPr lang="en-US" dirty="0"/>
-              <a:t> because the </a:t>
-            </a:r>
-            <a:r>
-              <a:rPr lang="en-US" dirty="0" err="1"/>
-              <a:t>coefs</a:t>
-            </a:r>
-            <a:r>
-              <a:rPr lang="en-US" dirty="0"/>
-              <a:t> are on the scale of the link function </a:t>
-            </a:r>
-          </a:p>
-          <a:p>
-            <a:pPr lvl="1"/>
-            <a:r>
-              <a:rPr lang="en-US" dirty="0"/>
-              <a:t>e.g. the log scale (</a:t>
-            </a:r>
-            <a:r>
-              <a:rPr lang="en-US" dirty="0" err="1"/>
-              <a:t>poisson</a:t>
-            </a:r>
-            <a:r>
-              <a:rPr lang="en-US" dirty="0"/>
-              <a:t>)</a:t>
-            </a:r>
-          </a:p>
-          <a:p>
-            <a:pPr lvl="1"/>
-            <a:r>
-              <a:rPr lang="en-US" dirty="0"/>
-              <a:t> the logit scale (binomial)</a:t>
-            </a:r>
-          </a:p>
-          <a:p>
-            <a:pPr lvl="1"/>
-            <a:r>
-              <a:rPr lang="en-US" dirty="0"/>
-              <a:t>or horribly the inverse scale (gamma default). </a:t>
-            </a:r>
-          </a:p>
-          <a:p>
-            <a:pPr lvl="1"/>
-            <a:endParaRPr lang="en-US" dirty="0"/>
-          </a:p>
-          <a:p>
-            <a:r>
-              <a:rPr lang="en-US" dirty="0"/>
-              <a:t>To interpret them, you need to transform them</a:t>
+              <a:t>Increases in a predictor variable don’t always lead to corresponding increases in our outcome variable when the outcome variable is not normally distributed</a:t>
             </a:r>
           </a:p>
         </p:txBody>
@@ -4178,7 +4150,7 @@
     </p:spTree>
     <p:extLst>
       <p:ext uri="{BB962C8B-B14F-4D97-AF65-F5344CB8AC3E}">
-        <p14:creationId xmlns:p14="http://schemas.microsoft.com/office/powerpoint/2010/main" val="844707399"/>
+        <p14:creationId xmlns:p14="http://schemas.microsoft.com/office/powerpoint/2010/main" val="4237838078"/>
       </p:ext>
     </p:extLst>
   </p:cSld>
@@ -4222,15 +4194,7 @@
           <a:p>
             <a:r>
               <a:rPr lang="en-US" dirty="0"/>
-              <a:t>Reminder </a:t>
-            </a:r>
-            <a:r>
-              <a:rPr lang="mr-IN" dirty="0"/>
-              <a:t>–</a:t>
-            </a:r>
-            <a:r>
-              <a:rPr lang="en-US" dirty="0"/>
-              <a:t> the default parameters represent</a:t>
+              <a:t>Interpreting GLMs output</a:t>
             </a:r>
           </a:p>
         </p:txBody>
@@ -4247,53 +4211,49 @@
         </p:nvSpPr>
         <p:spPr/>
         <p:txBody>
-          <a:bodyPr>
-            <a:normAutofit/>
-          </a:bodyPr>
-          <a:lstStyle/>
-          <a:p>
-            <a:r>
-              <a:rPr lang="en-US" dirty="0"/>
-              <a:t>Differences, not absolute values!</a:t>
-            </a:r>
-          </a:p>
-          <a:p>
-            <a:endParaRPr lang="en-US" dirty="0"/>
-          </a:p>
-          <a:p>
-            <a:r>
-              <a:rPr lang="en-US" dirty="0"/>
-              <a:t>Run this line:</a:t>
-            </a:r>
-          </a:p>
-          <a:p>
-            <a:r>
-              <a:rPr lang="en-US" dirty="0"/>
-              <a:t>g1 = </a:t>
+          <a:bodyPr/>
+          <a:lstStyle/>
+          <a:p>
+            <a:r>
+              <a:rPr lang="en-US" dirty="0"/>
+              <a:t>As with </a:t>
             </a:r>
             <a:r>
               <a:rPr lang="en-US" dirty="0" err="1"/>
-              <a:t>glm</a:t>
-            </a:r>
-            <a:r>
-              <a:rPr lang="en-US" dirty="0"/>
-              <a:t>(</a:t>
+              <a:t>lms</a:t>
+            </a:r>
+            <a:r>
+              <a:rPr lang="en-US" dirty="0"/>
+              <a:t>, the change in the response reflects a change in input</a:t>
+            </a:r>
+          </a:p>
+          <a:p>
+            <a:r>
+              <a:rPr lang="en-US" dirty="0"/>
+              <a:t>However, interpreting GLMs is a bit harder than </a:t>
             </a:r>
             <a:r>
               <a:rPr lang="en-US" dirty="0" err="1"/>
-              <a:t>N~time,data</a:t>
-            </a:r>
-            <a:r>
-              <a:rPr lang="en-US" dirty="0"/>
-              <a:t>=</a:t>
+              <a:t>lm’s</a:t>
+            </a:r>
+            <a:r>
+              <a:rPr lang="en-US" dirty="0"/>
+              <a:t> because the </a:t>
             </a:r>
             <a:r>
               <a:rPr lang="en-US" dirty="0" err="1"/>
-              <a:t>liz</a:t>
-            </a:r>
-            <a:r>
-              <a:rPr lang="en-US" dirty="0"/>
-              <a:t>, family="</a:t>
+              <a:t>coefs</a:t>
+            </a:r>
+            <a:r>
+              <a:rPr lang="en-US" dirty="0"/>
+              <a:t> are on the scale of the link function </a:t>
+            </a:r>
+          </a:p>
+          <a:p>
+            <a:pPr lvl="1"/>
+            <a:r>
+              <a:rPr lang="en-US" dirty="0"/>
+              <a:t>e.g. the log scale (</a:t>
             </a:r>
             <a:r>
               <a:rPr lang="en-US" dirty="0" err="1"/>
@@ -4301,27 +4261,39 @@
             </a:r>
             <a:r>
               <a:rPr lang="en-US" dirty="0"/>
-              <a:t>")</a:t>
-            </a:r>
-          </a:p>
-          <a:p>
+              <a:t>)</a:t>
+            </a:r>
+          </a:p>
+          <a:p>
+            <a:pPr lvl="1"/>
+            <a:r>
+              <a:rPr lang="en-US" dirty="0"/>
+              <a:t> the logit scale (binomial)</a:t>
+            </a:r>
+          </a:p>
+          <a:p>
+            <a:pPr lvl="1"/>
+            <a:r>
+              <a:rPr lang="en-US" dirty="0"/>
+              <a:t>or horribly the inverse scale (gamma default). </a:t>
+            </a:r>
+          </a:p>
+          <a:p>
+            <a:pPr lvl="1"/>
             <a:endParaRPr lang="en-US" dirty="0"/>
           </a:p>
           <a:p>
             <a:r>
               <a:rPr lang="en-US" dirty="0"/>
-              <a:t>What do you think this is telling you? </a:t>
-            </a:r>
-          </a:p>
-          <a:p>
-            <a:endParaRPr lang="en-US" dirty="0"/>
+              <a:t>To interpret them, you need to transform them</a:t>
+            </a:r>
           </a:p>
         </p:txBody>
       </p:sp>
     </p:spTree>
     <p:extLst>
       <p:ext uri="{BB962C8B-B14F-4D97-AF65-F5344CB8AC3E}">
-        <p14:creationId xmlns:p14="http://schemas.microsoft.com/office/powerpoint/2010/main" val="1531133659"/>
+        <p14:creationId xmlns:p14="http://schemas.microsoft.com/office/powerpoint/2010/main" val="844707399"/>
       </p:ext>
     </p:extLst>
   </p:cSld>
@@ -4365,15 +4337,15 @@
           <a:p>
             <a:r>
               <a:rPr lang="en-US" dirty="0"/>
-              <a:t>Some hints for interpreting output on the </a:t>
-            </a:r>
-            <a:r>
-              <a:rPr lang="en-US" i="1" dirty="0"/>
-              <a:t>effect</a:t>
-            </a:r>
-            <a:r>
-              <a:rPr lang="en-US" dirty="0"/>
-              <a:t> (e.g. link) scale</a:t>
+              <a:t>Reminder </a:t>
+            </a:r>
+            <a:r>
+              <a:rPr lang="mr-IN" dirty="0"/>
+              <a:t>–</a:t>
+            </a:r>
+            <a:r>
+              <a:rPr lang="en-US" dirty="0"/>
+              <a:t> the default parameters represent</a:t>
             </a:r>
           </a:p>
         </p:txBody>
@@ -4397,119 +4369,74 @@
           <a:p>
             <a:r>
               <a:rPr lang="en-US" dirty="0"/>
-              <a:t>log link: proportional for small β changes</a:t>
-            </a:r>
-          </a:p>
-          <a:p>
-            <a:pPr lvl="1"/>
-            <a:r>
-              <a:rPr lang="en-US" dirty="0"/>
-              <a:t>e.g. β=0.01→ “1% change/unit change in input”</a:t>
-            </a:r>
-          </a:p>
-          <a:p>
-            <a:pPr lvl="1"/>
-            <a:r>
-              <a:rPr lang="en-US" dirty="0"/>
-              <a:t>β=3→ “(e</a:t>
-            </a:r>
-            <a:r>
-              <a:rPr lang="en-US" baseline="30000" dirty="0"/>
-              <a:t>3</a:t>
-            </a:r>
-            <a:r>
-              <a:rPr lang="en-US" dirty="0"/>
-              <a:t>)=20-fold change/change in input”</a:t>
-            </a:r>
-          </a:p>
-          <a:p>
-            <a:pPr lvl="2"/>
-            <a:r>
-              <a:rPr lang="en-US" dirty="0"/>
-              <a:t>Where Euler’s e = 2.72</a:t>
-            </a:r>
-          </a:p>
-          <a:p>
-            <a:r>
-              <a:rPr lang="en-US" dirty="0"/>
-              <a:t>logit link: </a:t>
-            </a:r>
-            <a:r>
-              <a:rPr lang="en-US" b="1" dirty="0"/>
-              <a:t>depends on baseline </a:t>
-            </a:r>
-            <a:r>
-              <a:rPr lang="en-US" b="1" dirty="0" err="1"/>
-              <a:t>prob</a:t>
-            </a:r>
+              <a:t>Differences, not absolute values!</a:t>
+            </a:r>
+          </a:p>
+          <a:p>
             <a:endParaRPr lang="en-US" dirty="0"/>
           </a:p>
           <a:p>
-            <a:pPr lvl="1"/>
-            <a:r>
-              <a:rPr lang="en-US" dirty="0"/>
-              <a:t>low baseline </a:t>
+            <a:r>
+              <a:rPr lang="en-US" dirty="0"/>
+              <a:t>Run this line:</a:t>
+            </a:r>
+          </a:p>
+          <a:p>
+            <a:r>
+              <a:rPr lang="en-US" dirty="0"/>
+              <a:t>g1 = </a:t>
             </a:r>
             <a:r>
               <a:rPr lang="en-US" dirty="0" err="1"/>
-              <a:t>prob</a:t>
-            </a:r>
-            <a:r>
-              <a:rPr lang="en-US" dirty="0"/>
-              <a:t>: like log link</a:t>
-            </a:r>
-          </a:p>
-          <a:p>
-            <a:pPr lvl="1"/>
-            <a:r>
-              <a:rPr lang="en-US" dirty="0"/>
-              <a:t>high baseline </a:t>
+              <a:t>glm</a:t>
+            </a:r>
+            <a:r>
+              <a:rPr lang="en-US" dirty="0"/>
+              <a:t>(</a:t>
             </a:r>
             <a:r>
               <a:rPr lang="en-US" dirty="0" err="1"/>
-              <a:t>prob</a:t>
-            </a:r>
-            <a:r>
-              <a:rPr lang="en-US" dirty="0"/>
-              <a:t>: prop. change in (1-prob)</a:t>
-            </a:r>
-          </a:p>
-          <a:p>
-            <a:pPr lvl="1"/>
-            <a:r>
-              <a:rPr lang="en-US" dirty="0"/>
-              <a:t>medium </a:t>
+              <a:t>N~time,data</a:t>
+            </a:r>
+            <a:r>
+              <a:rPr lang="en-US" dirty="0"/>
+              <a:t>=</a:t>
             </a:r>
             <a:r>
               <a:rPr lang="en-US" dirty="0" err="1"/>
-              <a:t>prob</a:t>
-            </a:r>
-            <a:r>
-              <a:rPr lang="en-US" dirty="0"/>
-              <a:t>: absolute change ≈ β/4</a:t>
-            </a:r>
-          </a:p>
-          <a:p>
-            <a:pPr lvl="1"/>
-            <a:r>
-              <a:rPr lang="en-US" dirty="0"/>
-              <a:t>e.g. β0 (intercept)=0, β1=1; estimated change in </a:t>
+              <a:t>liz</a:t>
+            </a:r>
+            <a:r>
+              <a:rPr lang="en-US" dirty="0"/>
+              <a:t>, family="</a:t>
             </a:r>
             <a:r>
               <a:rPr lang="en-US" dirty="0" err="1"/>
-              <a:t>prob</a:t>
-            </a:r>
-            <a:r>
-              <a:rPr lang="en-US" dirty="0"/>
-              <a:t> ≈ 0.25</a:t>
-            </a:r>
+              <a:t>poisson</a:t>
+            </a:r>
+            <a:r>
+              <a:rPr lang="en-US" dirty="0"/>
+              <a:t>")</a:t>
+            </a:r>
+          </a:p>
+          <a:p>
+            <a:endParaRPr lang="en-US" dirty="0"/>
+          </a:p>
+          <a:p>
+            <a:r>
+              <a:rPr lang="en-US" dirty="0"/>
+              <a:t>What do you think this is telling you? </a:t>
+            </a:r>
+          </a:p>
+          <a:p>
+            <a:endParaRPr lang="en-US" dirty="0"/>
           </a:p>
         </p:txBody>
       </p:sp>
     </p:spTree>
     <p:extLst>
       <p:ext uri="{BB962C8B-B14F-4D97-AF65-F5344CB8AC3E}">
-        <p14:creationId xmlns:p14="http://schemas.microsoft.com/office/powerpoint/2010/main" val="1674951233"/>
+        <p14:creationId xmlns:p14="http://schemas.microsoft.com/office/powerpoint/2010/main" val="1531133659"/>
       </p:ext>
     </p:extLst>
   </p:cSld>
@@ -4553,7 +4480,15 @@
           <a:p>
             <a:r>
               <a:rPr lang="en-US" dirty="0"/>
-              <a:t>Binomial</a:t>
+              <a:t>Some hints for interpreting output on the </a:t>
+            </a:r>
+            <a:r>
+              <a:rPr lang="en-US" i="1" dirty="0"/>
+              <a:t>effect</a:t>
+            </a:r>
+            <a:r>
+              <a:rPr lang="en-US" dirty="0"/>
+              <a:t> (e.g. link) scale</a:t>
             </a:r>
           </a:p>
         </p:txBody>
@@ -4570,43 +4505,126 @@
         </p:nvSpPr>
         <p:spPr/>
         <p:txBody>
-          <a:bodyPr/>
-          <a:lstStyle/>
-          <a:p>
-            <a:r>
-              <a:rPr lang="en-US" dirty="0"/>
-              <a:t>Always use real number data (e.g. the number of individuals infected)</a:t>
-            </a:r>
-          </a:p>
-          <a:p>
+          <a:bodyPr>
+            <a:normAutofit/>
+          </a:bodyPr>
+          <a:lstStyle/>
+          <a:p>
+            <a:r>
+              <a:rPr lang="en-US" dirty="0"/>
+              <a:t>log link: proportional for small β changes</a:t>
+            </a:r>
+          </a:p>
+          <a:p>
+            <a:pPr lvl="1"/>
+            <a:r>
+              <a:rPr lang="en-US" dirty="0"/>
+              <a:t>e.g. β=0.01→ “1% change/unit change in input”</a:t>
+            </a:r>
+          </a:p>
+          <a:p>
+            <a:pPr lvl="1"/>
+            <a:r>
+              <a:rPr lang="en-US" dirty="0"/>
+              <a:t>β=3→ “(e</a:t>
+            </a:r>
+            <a:r>
+              <a:rPr lang="en-US" baseline="30000" dirty="0"/>
+              <a:t>3</a:t>
+            </a:r>
+            <a:r>
+              <a:rPr lang="en-US" dirty="0"/>
+              <a:t>)=20-fold change/change in input”</a:t>
+            </a:r>
+          </a:p>
+          <a:p>
+            <a:pPr lvl="2"/>
+            <a:r>
+              <a:rPr lang="en-US" dirty="0"/>
+              <a:t>Where Euler’s e = 2.72</a:t>
+            </a:r>
+          </a:p>
+          <a:p>
+            <a:r>
+              <a:rPr lang="en-US" dirty="0"/>
+              <a:t>logit link: </a:t>
+            </a:r>
+            <a:r>
+              <a:rPr lang="en-US" b="1" dirty="0"/>
+              <a:t>depends on baseline </a:t>
+            </a:r>
+            <a:r>
+              <a:rPr lang="en-US" b="1" dirty="0" err="1"/>
+              <a:t>prob</a:t>
+            </a:r>
             <a:endParaRPr lang="en-US" dirty="0"/>
           </a:p>
           <a:p>
-            <a:r>
-              <a:rPr lang="en-US" dirty="0"/>
-              <a:t>If you have aggregated data, for example, proportion infected is .20 out of a sample size of 10 individuals, you can specify the sample size as weights. </a:t>
-            </a:r>
-          </a:p>
-          <a:p>
-            <a:endParaRPr lang="en-US" dirty="0"/>
-          </a:p>
-          <a:p>
-            <a:r>
-              <a:rPr lang="en-US" dirty="0"/>
-              <a:t>Go to R</a:t>
-            </a:r>
-            <a:r>
-              <a:rPr lang="mr-IN" dirty="0"/>
-              <a:t>…</a:t>
-            </a:r>
-            <a:endParaRPr lang="en-US" dirty="0"/>
+            <a:pPr lvl="1"/>
+            <a:r>
+              <a:rPr lang="en-US" dirty="0"/>
+              <a:t>low baseline </a:t>
+            </a:r>
+            <a:r>
+              <a:rPr lang="en-US" dirty="0" err="1"/>
+              <a:t>prob</a:t>
+            </a:r>
+            <a:r>
+              <a:rPr lang="en-US" dirty="0"/>
+              <a:t>: like log link</a:t>
+            </a:r>
+          </a:p>
+          <a:p>
+            <a:pPr lvl="1"/>
+            <a:r>
+              <a:rPr lang="en-US" dirty="0"/>
+              <a:t>high baseline </a:t>
+            </a:r>
+            <a:r>
+              <a:rPr lang="en-US" dirty="0" err="1"/>
+              <a:t>prob</a:t>
+            </a:r>
+            <a:r>
+              <a:rPr lang="en-US" dirty="0"/>
+              <a:t>: prop. change in (1-prob)</a:t>
+            </a:r>
+          </a:p>
+          <a:p>
+            <a:pPr lvl="1"/>
+            <a:r>
+              <a:rPr lang="en-US" dirty="0"/>
+              <a:t>medium </a:t>
+            </a:r>
+            <a:r>
+              <a:rPr lang="en-US" dirty="0" err="1"/>
+              <a:t>prob</a:t>
+            </a:r>
+            <a:r>
+              <a:rPr lang="en-US" dirty="0"/>
+              <a:t>: absolute change ≈ β/4</a:t>
+            </a:r>
+          </a:p>
+          <a:p>
+            <a:pPr lvl="1"/>
+            <a:r>
+              <a:rPr lang="en-US" dirty="0"/>
+              <a:t>e.g. β0 (intercept)=0, β1=1; estimated change in </a:t>
+            </a:r>
+            <a:r>
+              <a:rPr lang="en-US" dirty="0" err="1"/>
+              <a:t>prob</a:t>
+            </a:r>
+            <a:r>
+              <a:rPr lang="en-US" dirty="0"/>
+              <a:t> ≈ 0.25</a:t>
+            </a:r>
           </a:p>
         </p:txBody>
       </p:sp>
     </p:spTree>
     <p:extLst>
       <p:ext uri="{BB962C8B-B14F-4D97-AF65-F5344CB8AC3E}">
-        <p14:creationId xmlns:p14="http://schemas.microsoft.com/office/powerpoint/2010/main" val="1367431735"/>
+        <p14:creationId xmlns:p14="http://schemas.microsoft.com/office/powerpoint/2010/main" val="1674951233"/>
       </p:ext>
     </p:extLst>
   </p:cSld>
@@ -4667,7 +4685,9 @@
         </p:nvSpPr>
         <p:spPr/>
         <p:txBody>
-          <a:bodyPr/>
+          <a:bodyPr>
+            <a:normAutofit fontScale="92500"/>
+          </a:bodyPr>
           <a:lstStyle/>
           <a:p>
             <a:r>
@@ -4681,22 +4701,14 @@
           <a:p>
             <a:r>
               <a:rPr lang="en-US" dirty="0"/>
-              <a:t>We then have two open weeks for potential other topics</a:t>
+              <a:t>We then have one week for potential other topics (2 lectures)</a:t>
             </a:r>
           </a:p>
           <a:p>
             <a:pPr lvl="1"/>
             <a:r>
               <a:rPr lang="en-US" dirty="0"/>
-              <a:t>Ideas? Bayesian methods, multivariate methods, networks (</a:t>
-            </a:r>
-            <a:r>
-              <a:rPr lang="en-US" dirty="0" err="1"/>
-              <a:t>prob</a:t>
-            </a:r>
-            <a:r>
-              <a:rPr lang="en-US" dirty="0"/>
-              <a:t> not), </a:t>
+              <a:t>Ideas? </a:t>
             </a:r>
           </a:p>
           <a:p>
@@ -4739,6 +4751,13 @@
             <a:r>
               <a:rPr lang="en-US" dirty="0"/>
               <a:t>), ODE models</a:t>
+            </a:r>
+          </a:p>
+          <a:p>
+            <a:pPr lvl="1"/>
+            <a:r>
+              <a:rPr lang="en-US" dirty="0"/>
+              <a:t>In the past, we have reserved a class for starting projects and getting help on work. I am thinking of just posting official office hours instead of losing another class. If so, which week? Our last day (Tuesday May 5) we will do peer review on project. </a:t>
             </a:r>
           </a:p>
         </p:txBody>
@@ -4790,7 +4809,7 @@
           <a:p>
             <a:r>
               <a:rPr lang="en-US" dirty="0"/>
-              <a:t>Predicting responses from GLMs</a:t>
+              <a:t>Binomial</a:t>
             </a:r>
           </a:p>
         </p:txBody>
@@ -4812,7 +4831,7 @@
           <a:p>
             <a:r>
               <a:rPr lang="en-US" dirty="0"/>
-              <a:t>To predict responses from GLMs we should use type = “response”</a:t>
+              <a:t>Always use real number data (e.g. the number of individuals infected)</a:t>
             </a:r>
           </a:p>
           <a:p>
@@ -4821,15 +4840,29 @@
           <a:p>
             <a:r>
               <a:rPr lang="en-US" dirty="0"/>
-              <a:t>This will transform from the effect scale to the scale of our response variable</a:t>
-            </a:r>
+              <a:t>If you have aggregated data, for example, proportion infected is .20 out of a sample size of 10 individuals, you can specify the sample size as weights. </a:t>
+            </a:r>
+          </a:p>
+          <a:p>
+            <a:endParaRPr lang="en-US" dirty="0"/>
+          </a:p>
+          <a:p>
+            <a:r>
+              <a:rPr lang="en-US" dirty="0"/>
+              <a:t>Go to R</a:t>
+            </a:r>
+            <a:r>
+              <a:rPr lang="mr-IN" dirty="0"/>
+              <a:t>…</a:t>
+            </a:r>
+            <a:endParaRPr lang="en-US" dirty="0"/>
           </a:p>
         </p:txBody>
       </p:sp>
     </p:spTree>
     <p:extLst>
       <p:ext uri="{BB962C8B-B14F-4D97-AF65-F5344CB8AC3E}">
-        <p14:creationId xmlns:p14="http://schemas.microsoft.com/office/powerpoint/2010/main" val="663436049"/>
+        <p14:creationId xmlns:p14="http://schemas.microsoft.com/office/powerpoint/2010/main" val="1367431735"/>
       </p:ext>
     </p:extLst>
   </p:cSld>
@@ -4873,7 +4906,7 @@
           <a:p>
             <a:r>
               <a:rPr lang="en-US" dirty="0"/>
-              <a:t>What should I do about the confidence intervals?</a:t>
+              <a:t>Predicting responses from GLMs</a:t>
             </a:r>
           </a:p>
         </p:txBody>
@@ -4895,39 +4928,16 @@
           <a:p>
             <a:r>
               <a:rPr lang="en-US" dirty="0"/>
-              <a:t>You can not transform the SE’s of the coefficients the same way you have done the </a:t>
-            </a:r>
-            <a:r>
-              <a:rPr lang="en-US" dirty="0" err="1"/>
-              <a:t>coefs</a:t>
-            </a:r>
+              <a:t>To predict responses from GLMs we should use type = “response”</a:t>
+            </a:r>
+          </a:p>
+          <a:p>
             <a:endParaRPr lang="en-US" dirty="0"/>
           </a:p>
           <a:p>
             <a:r>
               <a:rPr lang="en-US" dirty="0"/>
-              <a:t>My recommendation: report the untransformed SE’s and </a:t>
-            </a:r>
-            <a:r>
-              <a:rPr lang="en-US" dirty="0" err="1"/>
-              <a:t>coefs</a:t>
-            </a:r>
-            <a:r>
-              <a:rPr lang="en-US" dirty="0"/>
-              <a:t> and specify the link function you used; do not back transform</a:t>
-            </a:r>
-          </a:p>
-          <a:p>
-            <a:r>
-              <a:rPr lang="en-US" dirty="0"/>
-              <a:t>Report the confidence intervals and standard error of your data points</a:t>
-            </a:r>
-          </a:p>
-          <a:p>
-            <a:pPr lvl="1"/>
-            <a:r>
-              <a:rPr lang="en-US" dirty="0"/>
-              <a:t>There are packages that can help to calculate binomial confidence intervals to save you the arithmetic as there are several ways to do this.</a:t>
+              <a:t>This will transform from the effect scale to the scale of our response variable</a:t>
             </a:r>
           </a:p>
         </p:txBody>
@@ -4935,7 +4945,7 @@
     </p:spTree>
     <p:extLst>
       <p:ext uri="{BB962C8B-B14F-4D97-AF65-F5344CB8AC3E}">
-        <p14:creationId xmlns:p14="http://schemas.microsoft.com/office/powerpoint/2010/main" val="435211534"/>
+        <p14:creationId xmlns:p14="http://schemas.microsoft.com/office/powerpoint/2010/main" val="663436049"/>
       </p:ext>
     </p:extLst>
   </p:cSld>
@@ -4979,15 +4989,7 @@
           <a:p>
             <a:r>
               <a:rPr lang="en-US" dirty="0"/>
-              <a:t>If you </a:t>
-            </a:r>
-            <a:r>
-              <a:rPr lang="en-US" i="1" dirty="0"/>
-              <a:t>really</a:t>
-            </a:r>
-            <a:r>
-              <a:rPr lang="en-US" dirty="0"/>
-              <a:t> want prediction intervals</a:t>
+              <a:t>What should I do about the confidence intervals?</a:t>
             </a:r>
           </a:p>
         </p:txBody>
@@ -5009,20 +5011,39 @@
           <a:p>
             <a:r>
               <a:rPr lang="en-US" dirty="0"/>
-              <a:t>You need to use the inverse of your link function to back transform the confidence intervals, </a:t>
-            </a:r>
-            <a:r>
-              <a:rPr lang="en-US" u="sng" dirty="0"/>
-              <a:t>NOT THE SE’s!</a:t>
-            </a:r>
-          </a:p>
-          <a:p>
+              <a:t>You can not transform the SE’s of the coefficients the same way you have done the </a:t>
+            </a:r>
+            <a:r>
+              <a:rPr lang="en-US" dirty="0" err="1"/>
+              <a:t>coefs</a:t>
+            </a:r>
             <a:endParaRPr lang="en-US" dirty="0"/>
           </a:p>
           <a:p>
             <a:r>
               <a:rPr lang="en-US" dirty="0"/>
-              <a:t>See code</a:t>
+              <a:t>My recommendation: report the untransformed SE’s and </a:t>
+            </a:r>
+            <a:r>
+              <a:rPr lang="en-US" dirty="0" err="1"/>
+              <a:t>coefs</a:t>
+            </a:r>
+            <a:r>
+              <a:rPr lang="en-US" dirty="0"/>
+              <a:t> and specify the link function you used; do not back transform</a:t>
+            </a:r>
+          </a:p>
+          <a:p>
+            <a:r>
+              <a:rPr lang="en-US" dirty="0"/>
+              <a:t>Report the confidence intervals and standard error of your data points</a:t>
+            </a:r>
+          </a:p>
+          <a:p>
+            <a:pPr lvl="1"/>
+            <a:r>
+              <a:rPr lang="en-US" dirty="0"/>
+              <a:t>There are packages that can help to calculate binomial confidence intervals to save you the arithmetic as there are several ways to do this.</a:t>
             </a:r>
           </a:p>
         </p:txBody>
@@ -5030,7 +5051,7 @@
     </p:spTree>
     <p:extLst>
       <p:ext uri="{BB962C8B-B14F-4D97-AF65-F5344CB8AC3E}">
-        <p14:creationId xmlns:p14="http://schemas.microsoft.com/office/powerpoint/2010/main" val="1978224430"/>
+        <p14:creationId xmlns:p14="http://schemas.microsoft.com/office/powerpoint/2010/main" val="435211534"/>
       </p:ext>
     </p:extLst>
   </p:cSld>
@@ -5074,7 +5095,15 @@
           <a:p>
             <a:r>
               <a:rPr lang="en-US" dirty="0"/>
-              <a:t>Gamma</a:t>
+              <a:t>If you </a:t>
+            </a:r>
+            <a:r>
+              <a:rPr lang="en-US" i="1" dirty="0"/>
+              <a:t>really</a:t>
+            </a:r>
+            <a:r>
+              <a:rPr lang="en-US" dirty="0"/>
+              <a:t> want prediction intervals</a:t>
             </a:r>
           </a:p>
         </p:txBody>
@@ -5096,7 +5125,11 @@
           <a:p>
             <a:r>
               <a:rPr lang="en-US" dirty="0"/>
-              <a:t>The default link of the Gamma is inverse</a:t>
+              <a:t>You need to use the inverse of your link function to back transform the confidence intervals, </a:t>
+            </a:r>
+            <a:r>
+              <a:rPr lang="en-US" u="sng" dirty="0"/>
+              <a:t>NOT THE SE’s!</a:t>
             </a:r>
           </a:p>
           <a:p>
@@ -5105,16 +5138,7 @@
           <a:p>
             <a:r>
               <a:rPr lang="en-US" dirty="0"/>
-              <a:t>Log is okay to use and more intuitive</a:t>
-            </a:r>
-          </a:p>
-          <a:p>
-            <a:endParaRPr lang="en-US" dirty="0"/>
-          </a:p>
-          <a:p>
-            <a:r>
-              <a:rPr lang="en-US" dirty="0"/>
-              <a:t>Go to code..</a:t>
+              <a:t>See code</a:t>
             </a:r>
           </a:p>
         </p:txBody>
@@ -5122,7 +5146,7 @@
     </p:spTree>
     <p:extLst>
       <p:ext uri="{BB962C8B-B14F-4D97-AF65-F5344CB8AC3E}">
-        <p14:creationId xmlns:p14="http://schemas.microsoft.com/office/powerpoint/2010/main" val="1763703008"/>
+        <p14:creationId xmlns:p14="http://schemas.microsoft.com/office/powerpoint/2010/main" val="1978224430"/>
       </p:ext>
     </p:extLst>
   </p:cSld>
@@ -5166,7 +5190,7 @@
           <a:p>
             <a:r>
               <a:rPr lang="en-US" dirty="0"/>
-              <a:t>Poisson</a:t>
+              <a:t>Gamma</a:t>
             </a:r>
           </a:p>
         </p:txBody>
@@ -5188,7 +5212,7 @@
           <a:p>
             <a:r>
               <a:rPr lang="en-US" dirty="0"/>
-              <a:t>Remember, that in Poisson distributions the variance is equal to the mean</a:t>
+              <a:t>The default link of the Gamma is inverse</a:t>
             </a:r>
           </a:p>
           <a:p>
@@ -5197,21 +5221,16 @@
           <a:p>
             <a:r>
               <a:rPr lang="en-US" dirty="0"/>
-              <a:t>This means it is sensible to be concerned about </a:t>
-            </a:r>
-            <a:r>
-              <a:rPr lang="en-US" dirty="0" err="1"/>
-              <a:t>overdispersion</a:t>
-            </a:r>
+              <a:t>Log is okay to use and more intuitive</a:t>
+            </a:r>
+          </a:p>
+          <a:p>
             <a:endParaRPr lang="en-US" dirty="0"/>
           </a:p>
           <a:p>
-            <a:endParaRPr lang="en-US" dirty="0"/>
-          </a:p>
-          <a:p>
-            <a:r>
-              <a:rPr lang="en-US" dirty="0"/>
-              <a:t>It is a good idea to check for this</a:t>
+            <a:r>
+              <a:rPr lang="en-US" dirty="0"/>
+              <a:t>Go to code..</a:t>
             </a:r>
           </a:p>
         </p:txBody>
@@ -5219,7 +5238,7 @@
     </p:spTree>
     <p:extLst>
       <p:ext uri="{BB962C8B-B14F-4D97-AF65-F5344CB8AC3E}">
-        <p14:creationId xmlns:p14="http://schemas.microsoft.com/office/powerpoint/2010/main" val="1813096065"/>
+        <p14:creationId xmlns:p14="http://schemas.microsoft.com/office/powerpoint/2010/main" val="1763703008"/>
       </p:ext>
     </p:extLst>
   </p:cSld>
@@ -5262,97 +5281,53 @@
           <a:lstStyle/>
           <a:p>
             <a:r>
+              <a:rPr lang="en-US" dirty="0"/>
+              <a:t>Poisson</a:t>
+            </a:r>
+          </a:p>
+        </p:txBody>
+      </p:sp>
+      <p:sp>
+        <p:nvSpPr>
+          <p:cNvPr id="3" name="Content Placeholder 2"/>
+          <p:cNvSpPr>
+            <a:spLocks noGrp="1"/>
+          </p:cNvSpPr>
+          <p:nvPr>
+            <p:ph idx="1"/>
+          </p:nvPr>
+        </p:nvSpPr>
+        <p:spPr/>
+        <p:txBody>
+          <a:bodyPr/>
+          <a:lstStyle/>
+          <a:p>
+            <a:r>
+              <a:rPr lang="en-US" dirty="0"/>
+              <a:t>Remember, that in Poisson distributions the variance is equal to the mean</a:t>
+            </a:r>
+          </a:p>
+          <a:p>
+            <a:endParaRPr lang="en-US" dirty="0"/>
+          </a:p>
+          <a:p>
+            <a:r>
+              <a:rPr lang="en-US" dirty="0"/>
+              <a:t>This means it is sensible to be concerned about </a:t>
+            </a:r>
+            <a:r>
               <a:rPr lang="en-US" dirty="0" err="1"/>
-              <a:t>Overdispersion</a:t>
+              <a:t>overdispersion</a:t>
             </a:r>
             <a:endParaRPr lang="en-US" dirty="0"/>
           </a:p>
-        </p:txBody>
-      </p:sp>
-      <p:sp>
-        <p:nvSpPr>
-          <p:cNvPr id="3" name="Content Placeholder 2"/>
-          <p:cNvSpPr>
-            <a:spLocks noGrp="1"/>
-          </p:cNvSpPr>
-          <p:nvPr>
-            <p:ph idx="1"/>
-          </p:nvPr>
-        </p:nvSpPr>
-        <p:spPr>
-          <a:xfrm>
-            <a:off x="838200" y="1444487"/>
-            <a:ext cx="10515600" cy="4732476"/>
-          </a:xfrm>
-        </p:spPr>
-        <p:txBody>
-          <a:bodyPr>
-            <a:normAutofit/>
-          </a:bodyPr>
-          <a:lstStyle/>
-          <a:p>
-            <a:r>
-              <a:rPr lang="en-US" dirty="0"/>
-              <a:t>too much variance: </a:t>
-            </a:r>
-          </a:p>
-          <a:p>
-            <a:r>
-              <a:rPr lang="en-US" i="1" dirty="0"/>
-              <a:t>scale parameter</a:t>
-            </a:r>
-            <a:r>
-              <a:rPr lang="en-US" dirty="0"/>
-              <a:t> is fixed to 1 for Poisson (variance=mean), binomial (variance=Np(1−p)Np(1−p)</a:t>
-            </a:r>
-          </a:p>
-          <a:p>
-            <a:pPr lvl="1"/>
-            <a:r>
-              <a:rPr lang="en-US" dirty="0"/>
-              <a:t>This is often untrue!</a:t>
-            </a:r>
-            <a:br>
-              <a:rPr lang="en-US" dirty="0"/>
-            </a:br>
+          <a:p>
             <a:endParaRPr lang="en-US" dirty="0"/>
           </a:p>
           <a:p>
             <a:r>
-              <a:rPr lang="en-US" b="1" dirty="0"/>
-              <a:t>(residual deviance)/(residual </a:t>
-            </a:r>
-            <a:r>
-              <a:rPr lang="en-US" b="1" dirty="0" err="1"/>
-              <a:t>df</a:t>
-            </a:r>
-            <a:r>
-              <a:rPr lang="en-US" b="1" dirty="0"/>
-              <a:t>) should be ≈1. </a:t>
-            </a:r>
-          </a:p>
-          <a:p>
-            <a:pPr lvl="1"/>
-            <a:r>
-              <a:rPr lang="en-US" dirty="0"/>
-              <a:t>If the ratio is &gt;1.2, worry a little bit</a:t>
-            </a:r>
-          </a:p>
-          <a:p>
-            <a:pPr lvl="1"/>
-            <a:r>
-              <a:rPr lang="en-US" dirty="0"/>
-              <a:t>if the ratio is greater than ≈3, something else might be wrong with your model.</a:t>
-            </a:r>
-          </a:p>
-          <a:p>
-            <a:pPr lvl="1"/>
-            <a:endParaRPr lang="en-US" dirty="0"/>
-          </a:p>
-          <a:p>
-            <a:r>
-              <a:rPr lang="en-US" dirty="0"/>
-              <a:t>We can get these directly from our model</a:t>
+              <a:rPr lang="en-US" dirty="0"/>
+              <a:t>It is a good idea to check for this</a:t>
             </a:r>
           </a:p>
         </p:txBody>
@@ -5360,7 +5335,7 @@
     </p:spTree>
     <p:extLst>
       <p:ext uri="{BB962C8B-B14F-4D97-AF65-F5344CB8AC3E}">
-        <p14:creationId xmlns:p14="http://schemas.microsoft.com/office/powerpoint/2010/main" val="396760455"/>
+        <p14:creationId xmlns:p14="http://schemas.microsoft.com/office/powerpoint/2010/main" val="1813096065"/>
       </p:ext>
     </p:extLst>
   </p:cSld>
@@ -5403,17 +5378,10 @@
           <a:lstStyle/>
           <a:p>
             <a:r>
-              <a:rPr lang="en-US" dirty="0"/>
-              <a:t>Is there a test for </a:t>
-            </a:r>
-            <a:r>
               <a:rPr lang="en-US" dirty="0" err="1"/>
-              <a:t>overdispersion</a:t>
-            </a:r>
-            <a:r>
-              <a:rPr lang="en-US" dirty="0"/>
-              <a:t>?</a:t>
-            </a:r>
+              <a:t>Overdispersion</a:t>
+            </a:r>
+            <a:endParaRPr lang="en-US" dirty="0"/>
           </a:p>
         </p:txBody>
       </p:sp>
@@ -5427,47 +5395,88 @@
             <p:ph idx="1"/>
           </p:nvPr>
         </p:nvSpPr>
-        <p:spPr/>
-        <p:txBody>
-          <a:bodyPr/>
-          <a:lstStyle/>
-          <a:p>
-            <a:r>
-              <a:rPr lang="en-US" dirty="0"/>
-              <a:t>Can use a dispersion test from the AER package</a:t>
-            </a:r>
-          </a:p>
-          <a:p>
-            <a:r>
-              <a:rPr lang="en-US" dirty="0"/>
-              <a:t>more important to do </a:t>
-            </a:r>
+        <p:spPr>
+          <a:xfrm>
+            <a:off x="838200" y="1444487"/>
+            <a:ext cx="10515600" cy="4732476"/>
+          </a:xfrm>
+        </p:spPr>
+        <p:txBody>
+          <a:bodyPr>
+            <a:normAutofit/>
+          </a:bodyPr>
+          <a:lstStyle/>
+          <a:p>
+            <a:r>
+              <a:rPr lang="en-US" dirty="0"/>
+              <a:t>too much variance: </a:t>
+            </a:r>
+          </a:p>
+          <a:p>
+            <a:r>
+              <a:rPr lang="en-US" i="1" dirty="0"/>
+              <a:t>scale parameter</a:t>
+            </a:r>
+            <a:r>
+              <a:rPr lang="en-US" dirty="0"/>
+              <a:t> is fixed to 1 for Poisson (variance=mean), binomial (variance=Np(1−p)Np(1−p)</a:t>
+            </a:r>
+          </a:p>
+          <a:p>
+            <a:pPr lvl="1"/>
+            <a:r>
+              <a:rPr lang="en-US" dirty="0"/>
+              <a:t>This is often untrue!</a:t>
+            </a:r>
+            <a:br>
+              <a:rPr lang="en-US" dirty="0"/>
+            </a:br>
+            <a:endParaRPr lang="en-US" dirty="0"/>
+          </a:p>
+          <a:p>
             <a:r>
               <a:rPr lang="en-US" b="1" dirty="0"/>
-              <a:t>something</a:t>
-            </a:r>
-            <a:r>
-              <a:rPr lang="en-US" dirty="0"/>
-              <a:t> about </a:t>
-            </a:r>
-            <a:r>
-              <a:rPr lang="en-US" dirty="0" err="1"/>
-              <a:t>overdispersion</a:t>
-            </a:r>
-            <a:r>
-              <a:rPr lang="en-US" dirty="0"/>
-              <a:t> than exactly what you do</a:t>
-            </a:r>
-          </a:p>
-          <a:p>
+              <a:t>(residual deviance)/(residual </a:t>
+            </a:r>
+            <a:r>
+              <a:rPr lang="en-US" b="1" dirty="0" err="1"/>
+              <a:t>df</a:t>
+            </a:r>
+            <a:r>
+              <a:rPr lang="en-US" b="1" dirty="0"/>
+              <a:t>) should be ≈1. </a:t>
+            </a:r>
+          </a:p>
+          <a:p>
+            <a:pPr lvl="1"/>
+            <a:r>
+              <a:rPr lang="en-US" dirty="0"/>
+              <a:t>If the ratio is &gt;1.2, worry a little bit</a:t>
+            </a:r>
+          </a:p>
+          <a:p>
+            <a:pPr lvl="1"/>
+            <a:r>
+              <a:rPr lang="en-US" dirty="0"/>
+              <a:t>if the ratio is greater than ≈3, something else might be wrong with your model.</a:t>
+            </a:r>
+          </a:p>
+          <a:p>
+            <a:pPr lvl="1"/>
             <a:endParaRPr lang="en-US" dirty="0"/>
+          </a:p>
+          <a:p>
+            <a:r>
+              <a:rPr lang="en-US" dirty="0"/>
+              <a:t>We can get these directly from our model</a:t>
+            </a:r>
           </a:p>
         </p:txBody>
       </p:sp>
     </p:spTree>
     <p:extLst>
       <p:ext uri="{BB962C8B-B14F-4D97-AF65-F5344CB8AC3E}">
-        <p14:creationId xmlns:p14="http://schemas.microsoft.com/office/powerpoint/2010/main" val="1215100102"/>
+        <p14:creationId xmlns:p14="http://schemas.microsoft.com/office/powerpoint/2010/main" val="396760455"/>
       </p:ext>
     </p:extLst>
   </p:cSld>
@@ -5511,13 +5520,16 @@
           <a:p>
             <a:r>
               <a:rPr lang="en-US" dirty="0"/>
-              <a:t>Solutions to </a:t>
+              <a:t>Is there a test for </a:t>
             </a:r>
             <a:r>
               <a:rPr lang="en-US" dirty="0" err="1"/>
               <a:t>overdispersion</a:t>
             </a:r>
-            <a:endParaRPr lang="en-US" dirty="0"/>
+            <a:r>
+              <a:rPr lang="en-US" dirty="0"/>
+              <a:t>?</a:t>
+            </a:r>
           </a:p>
         </p:txBody>
       </p:sp>
@@ -5533,132 +5545,35 @@
         </p:nvSpPr>
         <p:spPr/>
         <p:txBody>
-          <a:bodyPr>
-            <a:normAutofit fontScale="92500" lnSpcReduction="10000"/>
-          </a:bodyPr>
-          <a:lstStyle/>
-          <a:p>
-            <a:r>
-              <a:rPr lang="en-US" dirty="0"/>
-              <a:t>Can use quasi-likelihood models (e.g. family=</a:t>
-            </a:r>
-            <a:r>
-              <a:rPr lang="en-US" dirty="0" err="1"/>
-              <a:t>quasipoisson</a:t>
-            </a:r>
-            <a:r>
-              <a:rPr lang="en-US" dirty="0"/>
-              <a:t>); fit, then adjust CIs/p-values</a:t>
-            </a:r>
-          </a:p>
-          <a:p>
-            <a:pPr lvl="1"/>
-            <a:r>
-              <a:rPr lang="en-US" dirty="0"/>
-              <a:t>point estimates </a:t>
+          <a:bodyPr/>
+          <a:lstStyle/>
+          <a:p>
+            <a:r>
+              <a:rPr lang="en-US" dirty="0"/>
+              <a:t>Can use a dispersion test from the AER package</a:t>
+            </a:r>
+          </a:p>
+          <a:p>
+            <a:r>
+              <a:rPr lang="en-US" dirty="0"/>
+              <a:t>more important to do </a:t>
             </a:r>
             <a:r>
               <a:rPr lang="en-US" b="1" dirty="0"/>
-              <a:t>don’t change</a:t>
-            </a:r>
-            <a:r>
-              <a:rPr lang="en-US" dirty="0"/>
-              <a:t>, just adjusts </a:t>
-            </a:r>
-            <a:r>
-              <a:rPr lang="en-US" dirty="0" err="1"/>
-              <a:t>std</a:t>
-            </a:r>
-            <a:r>
-              <a:rPr lang="en-US" dirty="0"/>
-              <a:t> errors/CIs/p-values</a:t>
-            </a:r>
-          </a:p>
-          <a:p>
-            <a:r>
-              <a:rPr lang="en-US" dirty="0"/>
-              <a:t>Can use negative binomial </a:t>
-            </a:r>
-          </a:p>
-          <a:p>
-            <a:r>
-              <a:rPr lang="en-US" dirty="0"/>
-              <a:t>alternatives:</a:t>
-            </a:r>
-          </a:p>
-          <a:p>
-            <a:pPr lvl="1"/>
-            <a:r>
-              <a:rPr lang="en-US" dirty="0"/>
-              <a:t>Poisson → negative binomial (MASS::</a:t>
-            </a:r>
-            <a:r>
-              <a:rPr lang="en-US" dirty="0" err="1"/>
-              <a:t>glm.nb</a:t>
-            </a:r>
-            <a:r>
-              <a:rPr lang="en-US" dirty="0"/>
-              <a:t>)</a:t>
-            </a:r>
-          </a:p>
-          <a:p>
-            <a:pPr lvl="1"/>
-            <a:r>
-              <a:rPr lang="en-US" dirty="0"/>
-              <a:t>binomial → beta-binomial (</a:t>
-            </a:r>
-            <a:r>
-              <a:rPr lang="en-US" dirty="0" err="1"/>
-              <a:t>glmmTMB</a:t>
-            </a:r>
-            <a:r>
-              <a:rPr lang="en-US" dirty="0"/>
-              <a:t> package)</a:t>
-            </a:r>
-          </a:p>
-          <a:p>
+              <a:t>something</a:t>
+            </a:r>
+            <a:r>
+              <a:rPr lang="en-US" dirty="0"/>
+              <a:t> about </a:t>
+            </a:r>
             <a:r>
               <a:rPr lang="en-US" dirty="0" err="1"/>
               <a:t>overdispersion</a:t>
             </a:r>
             <a:r>
               <a:rPr lang="en-US" dirty="0"/>
-              <a:t> </a:t>
-            </a:r>
-            <a:r>
-              <a:rPr lang="en-US" b="1" dirty="0"/>
-              <a:t>not</a:t>
-            </a:r>
-            <a:r>
-              <a:rPr lang="en-US" dirty="0"/>
-              <a:t> relevant for</a:t>
-            </a:r>
-          </a:p>
-          <a:p>
-            <a:pPr lvl="1"/>
-            <a:r>
-              <a:rPr lang="en-US" dirty="0"/>
-              <a:t>binary responses</a:t>
-            </a:r>
-          </a:p>
-          <a:p>
-            <a:pPr lvl="1"/>
-            <a:r>
-              <a:rPr lang="en-US" dirty="0"/>
-              <a:t>families with estimated scale parameters (</a:t>
-            </a:r>
-            <a:r>
-              <a:rPr lang="en-US" dirty="0" err="1"/>
-              <a:t>gaussian</a:t>
-            </a:r>
-            <a:r>
-              <a:rPr lang="en-US" dirty="0"/>
-              <a:t>, Gamma, …)</a:t>
-            </a:r>
-            <a:br>
-              <a:rPr lang="en-US" dirty="0"/>
-            </a:br>
-            <a:endParaRPr lang="en-US" dirty="0"/>
+              <a:t> than exactly what you do</a:t>
+            </a:r>
           </a:p>
           <a:p>
             <a:endParaRPr lang="en-US" dirty="0"/>
@@ -5668,7 +5583,7 @@
     </p:spTree>
     <p:extLst>
       <p:ext uri="{BB962C8B-B14F-4D97-AF65-F5344CB8AC3E}">
-        <p14:creationId xmlns:p14="http://schemas.microsoft.com/office/powerpoint/2010/main" val="721002730"/>
+        <p14:creationId xmlns:p14="http://schemas.microsoft.com/office/powerpoint/2010/main" val="1215100102"/>
       </p:ext>
     </p:extLst>
   </p:cSld>
@@ -5712,8 +5627,13 @@
           <a:p>
             <a:r>
               <a:rPr lang="en-US" dirty="0"/>
-              <a:t>Negative Binomial</a:t>
-            </a:r>
+              <a:t>Solutions to </a:t>
+            </a:r>
+            <a:r>
+              <a:rPr lang="en-US" dirty="0" err="1"/>
+              <a:t>overdispersion</a:t>
+            </a:r>
+            <a:endParaRPr lang="en-US" dirty="0"/>
           </a:p>
         </p:txBody>
       </p:sp>
@@ -5729,37 +5649,142 @@
         </p:nvSpPr>
         <p:spPr/>
         <p:txBody>
-          <a:bodyPr/>
-          <a:lstStyle/>
-          <a:p>
-            <a:r>
-              <a:rPr lang="en-US" dirty="0"/>
-              <a:t>For </a:t>
+          <a:bodyPr>
+            <a:normAutofit fontScale="92500" lnSpcReduction="10000"/>
+          </a:bodyPr>
+          <a:lstStyle/>
+          <a:p>
+            <a:r>
+              <a:rPr lang="en-US" dirty="0"/>
+              <a:t>Can use quasi-likelihood models (e.g. family=</a:t>
             </a:r>
             <a:r>
               <a:rPr lang="en-US" dirty="0" err="1"/>
-              <a:t>overdispersed</a:t>
-            </a:r>
-            <a:r>
-              <a:rPr lang="en-US" dirty="0"/>
-              <a:t> count data, the negative binomial is a really good solution</a:t>
-            </a:r>
-          </a:p>
-          <a:p>
+              <a:t>quasipoisson</a:t>
+            </a:r>
+            <a:r>
+              <a:rPr lang="en-US" dirty="0"/>
+              <a:t>); fit, then adjust CIs/p-values</a:t>
+            </a:r>
+          </a:p>
+          <a:p>
+            <a:pPr lvl="1"/>
+            <a:r>
+              <a:rPr lang="en-US" dirty="0"/>
+              <a:t>point estimates </a:t>
+            </a:r>
+            <a:r>
+              <a:rPr lang="en-US" b="1" dirty="0"/>
+              <a:t>don’t change</a:t>
+            </a:r>
+            <a:r>
+              <a:rPr lang="en-US" dirty="0"/>
+              <a:t>, just adjusts </a:t>
+            </a:r>
+            <a:r>
+              <a:rPr lang="en-US" dirty="0" err="1"/>
+              <a:t>std</a:t>
+            </a:r>
+            <a:r>
+              <a:rPr lang="en-US" dirty="0"/>
+              <a:t> errors/CIs/p-values</a:t>
+            </a:r>
+          </a:p>
+          <a:p>
+            <a:r>
+              <a:rPr lang="en-US" dirty="0"/>
+              <a:t>Can use negative binomial </a:t>
+            </a:r>
+          </a:p>
+          <a:p>
+            <a:r>
+              <a:rPr lang="en-US" dirty="0"/>
+              <a:t>alternatives:</a:t>
+            </a:r>
+          </a:p>
+          <a:p>
+            <a:pPr lvl="1"/>
+            <a:r>
+              <a:rPr lang="en-US" dirty="0"/>
+              <a:t>Poisson → negative binomial (MASS::</a:t>
+            </a:r>
+            <a:r>
+              <a:rPr lang="en-US" dirty="0" err="1"/>
+              <a:t>glm.nb</a:t>
+            </a:r>
+            <a:r>
+              <a:rPr lang="en-US" dirty="0"/>
+              <a:t>)</a:t>
+            </a:r>
+          </a:p>
+          <a:p>
+            <a:pPr lvl="1"/>
+            <a:r>
+              <a:rPr lang="en-US" dirty="0"/>
+              <a:t>binomial → beta-binomial (</a:t>
+            </a:r>
+            <a:r>
+              <a:rPr lang="en-US" dirty="0" err="1"/>
+              <a:t>glmmTMB</a:t>
+            </a:r>
+            <a:r>
+              <a:rPr lang="en-US" dirty="0"/>
+              <a:t> package)</a:t>
+            </a:r>
+          </a:p>
+          <a:p>
+            <a:r>
+              <a:rPr lang="en-US" dirty="0" err="1"/>
+              <a:t>overdispersion</a:t>
+            </a:r>
+            <a:r>
+              <a:rPr lang="en-US" dirty="0"/>
+              <a:t> </a:t>
+            </a:r>
+            <a:r>
+              <a:rPr lang="en-US" b="1" dirty="0"/>
+              <a:t>not</a:t>
+            </a:r>
+            <a:r>
+              <a:rPr lang="en-US" dirty="0"/>
+              <a:t> relevant for</a:t>
+            </a:r>
+          </a:p>
+          <a:p>
+            <a:pPr lvl="1"/>
+            <a:r>
+              <a:rPr lang="en-US" dirty="0"/>
+              <a:t>binary responses</a:t>
+            </a:r>
+          </a:p>
+          <a:p>
+            <a:pPr lvl="1"/>
+            <a:r>
+              <a:rPr lang="en-US" dirty="0"/>
+              <a:t>families with estimated scale parameters (</a:t>
+            </a:r>
+            <a:r>
+              <a:rPr lang="en-US" dirty="0" err="1"/>
+              <a:t>gaussian</a:t>
+            </a:r>
+            <a:r>
+              <a:rPr lang="en-US" dirty="0"/>
+              <a:t>, Gamma, …)</a:t>
+            </a:r>
+            <a:br>
+              <a:rPr lang="en-US" dirty="0"/>
+            </a:br>
             <a:endParaRPr lang="en-US" dirty="0"/>
           </a:p>
           <a:p>
-            <a:r>
-              <a:rPr lang="en-US" dirty="0"/>
-              <a:t>What do our updated diagnostics tell us about whether the negative binomial is behaving adequately? </a:t>
-            </a:r>
+            <a:endParaRPr lang="en-US" dirty="0"/>
           </a:p>
         </p:txBody>
       </p:sp>
     </p:spTree>
     <p:extLst>
       <p:ext uri="{BB962C8B-B14F-4D97-AF65-F5344CB8AC3E}">
-        <p14:creationId xmlns:p14="http://schemas.microsoft.com/office/powerpoint/2010/main" val="1194184351"/>
+        <p14:creationId xmlns:p14="http://schemas.microsoft.com/office/powerpoint/2010/main" val="721002730"/>
       </p:ext>
     </p:extLst>
   </p:cSld>
@@ -5796,19 +5821,14 @@
             <p:ph type="title"/>
           </p:nvPr>
         </p:nvSpPr>
-        <p:spPr>
-          <a:xfrm>
-            <a:off x="838200" y="391630"/>
-            <a:ext cx="10515600" cy="1325563"/>
-          </a:xfrm>
-        </p:spPr>
-        <p:txBody>
-          <a:bodyPr/>
-          <a:lstStyle/>
-          <a:p>
-            <a:r>
-              <a:rPr lang="en-US" dirty="0"/>
-              <a:t>Diagnostics</a:t>
+        <p:spPr/>
+        <p:txBody>
+          <a:bodyPr/>
+          <a:lstStyle/>
+          <a:p>
+            <a:r>
+              <a:rPr lang="en-US" dirty="0"/>
+              <a:t>Negative Binomial</a:t>
             </a:r>
           </a:p>
         </p:txBody>
@@ -5825,77 +5845,37 @@
         </p:nvSpPr>
         <p:spPr/>
         <p:txBody>
-          <a:bodyPr>
-            <a:normAutofit/>
-          </a:bodyPr>
-          <a:lstStyle/>
-          <a:p>
-            <a:r>
-              <a:rPr lang="en-US" dirty="0"/>
-              <a:t>Much harder than linear models</a:t>
-            </a:r>
-          </a:p>
-          <a:p>
-            <a:r>
-              <a:rPr lang="en-US" dirty="0"/>
-              <a:t>goodness of fit tests, R2 etc. can also be a bit challenging and people have suggested that many of these methods don’t work very well</a:t>
-            </a:r>
-          </a:p>
-          <a:p>
-            <a:r>
-              <a:rPr lang="en-US" dirty="0"/>
-              <a:t>Some people will compare model residual deviance which can give an indication of whether one distribution is preferred over another but this also has limitations</a:t>
-            </a:r>
-          </a:p>
-          <a:p>
-            <a:r>
-              <a:rPr lang="en-US" dirty="0"/>
-              <a:t>Do be wary of general statistical problems </a:t>
-            </a:r>
-            <a:r>
-              <a:rPr lang="mr-IN" dirty="0"/>
-              <a:t>–</a:t>
-            </a:r>
-            <a:r>
-              <a:rPr lang="en-US" dirty="0"/>
-              <a:t> multicollinearity, constant responses, too many zeros</a:t>
-            </a:r>
-          </a:p>
-          <a:p>
-            <a:pPr lvl="1"/>
-            <a:r>
-              <a:rPr lang="en-US" dirty="0"/>
-              <a:t>There is always the gut check test too </a:t>
-            </a:r>
-            <a:r>
-              <a:rPr lang="mr-IN" dirty="0"/>
-              <a:t>–</a:t>
-            </a:r>
-            <a:r>
-              <a:rPr lang="en-US" dirty="0"/>
-              <a:t> plot your data and model output and ask yourself </a:t>
-            </a:r>
-            <a:r>
-              <a:rPr lang="mr-IN" dirty="0"/>
-              <a:t>–</a:t>
-            </a:r>
-            <a:r>
-              <a:rPr lang="en-US" dirty="0"/>
-              <a:t> does it look like anything funny is happening here? </a:t>
+          <a:bodyPr/>
+          <a:lstStyle/>
+          <a:p>
+            <a:r>
+              <a:rPr lang="en-US" dirty="0"/>
+              <a:t>For </a:t>
+            </a:r>
+            <a:r>
+              <a:rPr lang="en-US" dirty="0" err="1"/>
+              <a:t>overdispersed</a:t>
+            </a:r>
+            <a:r>
+              <a:rPr lang="en-US" dirty="0"/>
+              <a:t> count data, the negative binomial is a really good solution</a:t>
             </a:r>
           </a:p>
           <a:p>
             <a:endParaRPr lang="en-US" dirty="0"/>
           </a:p>
           <a:p>
-            <a:endParaRPr lang="en-US" dirty="0"/>
+            <a:r>
+              <a:rPr lang="en-US" dirty="0"/>
+              <a:t>What do our updated diagnostics tell us about whether the negative binomial is behaving adequately? </a:t>
+            </a:r>
           </a:p>
         </p:txBody>
       </p:sp>
     </p:spTree>
     <p:extLst>
       <p:ext uri="{BB962C8B-B14F-4D97-AF65-F5344CB8AC3E}">
-        <p14:creationId xmlns:p14="http://schemas.microsoft.com/office/powerpoint/2010/main" val="548665744"/>
+        <p14:creationId xmlns:p14="http://schemas.microsoft.com/office/powerpoint/2010/main" val="1194184351"/>
       </p:ext>
     </p:extLst>
   </p:cSld>
@@ -5962,7 +5942,7 @@
         </p:spPr>
         <p:txBody>
           <a:bodyPr>
-            <a:normAutofit fontScale="92500" lnSpcReduction="20000"/>
+            <a:normAutofit fontScale="92500" lnSpcReduction="10000"/>
           </a:bodyPr>
           <a:lstStyle/>
           <a:p>
@@ -5972,7 +5952,7 @@
             </a:r>
             <a:r>
               <a:rPr lang="en-US" b="1" dirty="0"/>
-              <a:t>Monday May 13 </a:t>
+              <a:t>Monday May 11 </a:t>
             </a:r>
             <a:r>
               <a:rPr lang="en-US" dirty="0"/>
@@ -6005,21 +5985,14 @@
           <a:p>
             <a:r>
               <a:rPr lang="en-US" dirty="0"/>
-              <a:t>A few notes: </a:t>
+              <a:t>A note: </a:t>
             </a:r>
           </a:p>
           <a:p>
             <a:pPr lvl="1"/>
             <a:r>
               <a:rPr lang="en-US" dirty="0"/>
-              <a:t>It is perfectly fine to use a paper you are already writing, but nothing that has already been sent out for peer-review please. </a:t>
-            </a:r>
-          </a:p>
-          <a:p>
-            <a:pPr lvl="1"/>
-            <a:r>
-              <a:rPr lang="en-US" dirty="0"/>
-              <a:t>We will reserve at least one class for starting projects and getting help on work. Should we plan for two? Our last day (Tuesday May 7) we will do peer review on projects.</a:t>
+              <a:t>It is perfectly fine to use a paper you are already writing, but nothing that has already been sent out for peer-review please. .</a:t>
             </a:r>
           </a:p>
           <a:p>
@@ -6067,303 +6040,106 @@
             <p:ph type="title"/>
           </p:nvPr>
         </p:nvSpPr>
-        <p:spPr/>
-        <p:txBody>
-          <a:bodyPr/>
-          <a:lstStyle/>
-          <a:p>
-            <a:r>
-              <a:rPr lang="en-US" dirty="0"/>
-              <a:t>Common mistakes</a:t>
-            </a:r>
-          </a:p>
-        </p:txBody>
-      </p:sp>
-      <p:sp>
-        <p:nvSpPr>
-          <p:cNvPr id="3" name="Content Placeholder 2"/>
-          <p:cNvSpPr>
-            <a:spLocks noGrp="1"/>
-          </p:cNvSpPr>
-          <p:nvPr>
-            <p:ph idx="1"/>
-          </p:nvPr>
-        </p:nvSpPr>
         <p:spPr>
           <a:xfrm>
-            <a:off x="838200" y="1484243"/>
-            <a:ext cx="10515600" cy="4692720"/>
+            <a:off x="838200" y="391630"/>
+            <a:ext cx="10515600" cy="1325563"/>
           </a:xfrm>
         </p:spPr>
         <p:txBody>
+          <a:bodyPr/>
+          <a:lstStyle/>
+          <a:p>
+            <a:r>
+              <a:rPr lang="en-US" dirty="0"/>
+              <a:t>Diagnostics</a:t>
+            </a:r>
+          </a:p>
+        </p:txBody>
+      </p:sp>
+      <p:sp>
+        <p:nvSpPr>
+          <p:cNvPr id="3" name="Content Placeholder 2"/>
+          <p:cNvSpPr>
+            <a:spLocks noGrp="1"/>
+          </p:cNvSpPr>
+          <p:nvPr>
+            <p:ph idx="1"/>
+          </p:nvPr>
+        </p:nvSpPr>
+        <p:spPr/>
+        <p:txBody>
           <a:bodyPr>
-            <a:normAutofit lnSpcReduction="10000"/>
+            <a:normAutofit/>
           </a:bodyPr>
           <a:lstStyle/>
           <a:p>
             <a:r>
-              <a:rPr lang="en-US" sz="2400" dirty="0">
-                <a:solidFill>
-                  <a:srgbClr val="262626"/>
-                </a:solidFill>
-                <a:latin typeface="Calibri" charset="0"/>
-                <a:ea typeface="Calibri" charset="0"/>
-                <a:cs typeface="Calibri" charset="0"/>
-              </a:rPr>
-              <a:t>ignoring </a:t>
-            </a:r>
-            <a:r>
-              <a:rPr lang="en-US" sz="2400" dirty="0" err="1">
-                <a:solidFill>
-                  <a:srgbClr val="262626"/>
-                </a:solidFill>
-                <a:latin typeface="Calibri" charset="0"/>
-                <a:ea typeface="Calibri" charset="0"/>
-                <a:cs typeface="Calibri" charset="0"/>
-              </a:rPr>
-              <a:t>overdispersion</a:t>
-            </a:r>
-            <a:endParaRPr lang="en-US" sz="2400" dirty="0">
-              <a:solidFill>
-                <a:srgbClr val="262626"/>
-              </a:solidFill>
-              <a:latin typeface="Calibri" charset="0"/>
-              <a:ea typeface="Calibri" charset="0"/>
-              <a:cs typeface="Calibri" charset="0"/>
-            </a:endParaRPr>
-          </a:p>
-          <a:p>
-            <a:r>
-              <a:rPr lang="en-US" sz="2400" dirty="0">
-                <a:solidFill>
-                  <a:srgbClr val="262626"/>
-                </a:solidFill>
-                <a:latin typeface="Calibri" charset="0"/>
-                <a:ea typeface="Calibri" charset="0"/>
-                <a:cs typeface="Calibri" charset="0"/>
-              </a:rPr>
-              <a:t>applying discrete models (Poisson, binomial) to non-discrete data: </a:t>
-            </a:r>
-            <a:r>
-              <a:rPr lang="en-US" sz="2400" b="1" dirty="0">
-                <a:solidFill>
-                  <a:srgbClr val="262626"/>
-                </a:solidFill>
-                <a:latin typeface="Calibri" charset="0"/>
-                <a:ea typeface="Calibri" charset="0"/>
-                <a:cs typeface="Calibri" charset="0"/>
-              </a:rPr>
-              <a:t>don’t divide!</a:t>
-            </a:r>
-            <a:endParaRPr lang="en-US" sz="2400" dirty="0">
-              <a:solidFill>
-                <a:srgbClr val="262626"/>
-              </a:solidFill>
-              <a:latin typeface="Calibri" charset="0"/>
-              <a:ea typeface="Calibri" charset="0"/>
-              <a:cs typeface="Calibri" charset="0"/>
-            </a:endParaRPr>
-          </a:p>
-          <a:p>
-            <a:r>
-              <a:rPr lang="en-US" sz="2400" dirty="0">
-                <a:solidFill>
-                  <a:srgbClr val="262626"/>
-                </a:solidFill>
-                <a:latin typeface="Calibri" charset="0"/>
-                <a:ea typeface="Calibri" charset="0"/>
-                <a:cs typeface="Calibri" charset="0"/>
-              </a:rPr>
-              <a:t>equating negative binomial with binomial rather than Poisson</a:t>
-            </a:r>
-          </a:p>
-          <a:p>
-            <a:r>
-              <a:rPr lang="en-US" sz="2400" dirty="0">
-                <a:solidFill>
-                  <a:srgbClr val="262626"/>
-                </a:solidFill>
-                <a:latin typeface="Calibri" charset="0"/>
-                <a:ea typeface="Calibri" charset="0"/>
-                <a:cs typeface="Calibri" charset="0"/>
-              </a:rPr>
-              <a:t>confusion in interpreting effects</a:t>
-            </a:r>
-          </a:p>
-          <a:p>
-            <a:r>
-              <a:rPr lang="en-US" sz="2400" dirty="0">
-                <a:solidFill>
-                  <a:srgbClr val="262626"/>
-                </a:solidFill>
-                <a:latin typeface="Calibri" charset="0"/>
-                <a:ea typeface="Calibri" charset="0"/>
-                <a:cs typeface="Calibri" charset="0"/>
-              </a:rPr>
-              <a:t>worrying about marginal (all of the data in y) rather than conditional distributions of data (e.g. the distribution of each species)</a:t>
-            </a:r>
-          </a:p>
-          <a:p>
-            <a:r>
-              <a:rPr lang="en-US" sz="2400" dirty="0">
-                <a:solidFill>
-                  <a:srgbClr val="262626"/>
-                </a:solidFill>
-                <a:latin typeface="Calibri" charset="0"/>
-                <a:ea typeface="Calibri" charset="0"/>
-                <a:cs typeface="Calibri" charset="0"/>
-              </a:rPr>
-              <a:t>back-transforming standard errors</a:t>
-            </a:r>
-          </a:p>
-          <a:p>
-            <a:r>
-              <a:rPr lang="en-US" sz="2400" dirty="0">
-                <a:solidFill>
-                  <a:srgbClr val="262626"/>
-                </a:solidFill>
-                <a:latin typeface="Calibri" charset="0"/>
-                <a:ea typeface="Calibri" charset="0"/>
-                <a:cs typeface="Calibri" charset="0"/>
-              </a:rPr>
-              <a:t>getting confused by predictions on the linear predictor scale</a:t>
-            </a:r>
-          </a:p>
-          <a:p>
-            <a:r>
-              <a:rPr lang="en-US" sz="2400" dirty="0">
-                <a:solidFill>
-                  <a:srgbClr val="262626"/>
-                </a:solidFill>
-                <a:latin typeface="Calibri" charset="0"/>
-                <a:ea typeface="Calibri" charset="0"/>
-                <a:cs typeface="Calibri" charset="0"/>
-              </a:rPr>
-              <a:t>using GLMs where linear models will do (i.e. </a:t>
-            </a:r>
-            <a:r>
-              <a:rPr lang="en-US" sz="2400" dirty="0" err="1">
-                <a:solidFill>
-                  <a:srgbClr val="262626"/>
-                </a:solidFill>
-                <a:latin typeface="Calibri" charset="0"/>
-                <a:ea typeface="Calibri" charset="0"/>
-                <a:cs typeface="Calibri" charset="0"/>
-              </a:rPr>
-              <a:t>glm</a:t>
-            </a:r>
-            <a:r>
-              <a:rPr lang="en-US" sz="2400" dirty="0">
-                <a:solidFill>
-                  <a:srgbClr val="262626"/>
-                </a:solidFill>
-                <a:latin typeface="Calibri" charset="0"/>
-                <a:ea typeface="Calibri" charset="0"/>
-                <a:cs typeface="Calibri" charset="0"/>
-              </a:rPr>
-              <a:t> instead of lm) (</a:t>
-            </a:r>
-            <a:r>
-              <a:rPr lang="en-US" sz="2400" i="1" dirty="0">
-                <a:solidFill>
-                  <a:srgbClr val="262626"/>
-                </a:solidFill>
-                <a:latin typeface="Calibri" charset="0"/>
-                <a:ea typeface="Calibri" charset="0"/>
-                <a:cs typeface="Calibri" charset="0"/>
-              </a:rPr>
-              <a:t>mostly harmless</a:t>
-            </a:r>
-            <a:r>
-              <a:rPr lang="en-US" sz="2400" dirty="0">
-                <a:solidFill>
-                  <a:srgbClr val="262626"/>
-                </a:solidFill>
-                <a:latin typeface="Calibri" charset="0"/>
-                <a:ea typeface="Calibri" charset="0"/>
-                <a:cs typeface="Calibri" charset="0"/>
-              </a:rPr>
-              <a:t>)</a:t>
-            </a:r>
-          </a:p>
-          <a:p>
-            <a:r>
-              <a:rPr lang="en-US" sz="2400" dirty="0">
-                <a:solidFill>
-                  <a:srgbClr val="262626"/>
-                </a:solidFill>
-                <a:latin typeface="Calibri" charset="0"/>
-                <a:ea typeface="Calibri" charset="0"/>
-                <a:cs typeface="Calibri" charset="0"/>
-              </a:rPr>
-              <a:t>forgetting to use type="response" using </a:t>
-            </a:r>
-            <a:r>
-              <a:rPr lang="en-US" sz="2400" dirty="0" err="1">
-                <a:solidFill>
-                  <a:srgbClr val="262626"/>
-                </a:solidFill>
-                <a:latin typeface="Calibri" charset="0"/>
-                <a:ea typeface="Calibri" charset="0"/>
-                <a:cs typeface="Calibri" charset="0"/>
-              </a:rPr>
-              <a:t>predict.glm</a:t>
-            </a:r>
-            <a:r>
-              <a:rPr lang="en-US" sz="2400" dirty="0">
-                <a:solidFill>
-                  <a:srgbClr val="262626"/>
-                </a:solidFill>
-                <a:latin typeface="Calibri" charset="0"/>
-                <a:ea typeface="Calibri" charset="0"/>
-                <a:cs typeface="Calibri" charset="0"/>
-              </a:rPr>
-              <a:t>()</a:t>
-            </a:r>
-          </a:p>
-          <a:p>
-            <a:r>
-              <a:rPr lang="en-US" sz="2400" dirty="0">
-                <a:solidFill>
-                  <a:srgbClr val="262626"/>
-                </a:solidFill>
-                <a:latin typeface="Calibri" charset="0"/>
-                <a:ea typeface="Calibri" charset="0"/>
-                <a:cs typeface="Calibri" charset="0"/>
-              </a:rPr>
-              <a:t>ignoring blocking factors (e.g. failing to use mixed models where necessary)</a:t>
-            </a:r>
-          </a:p>
-          <a:p>
-            <a:pPr marL="0" marR="0" lvl="0" indent="0" defTabSz="914400" eaLnBrk="1" fontAlgn="auto" latinLnBrk="0" hangingPunct="1">
-              <a:lnSpc>
-                <a:spcPct val="100000"/>
-              </a:lnSpc>
-              <a:spcBef>
-                <a:spcPts val="0"/>
-              </a:spcBef>
-              <a:spcAft>
-                <a:spcPts val="0"/>
-              </a:spcAft>
-              <a:buClrTx/>
-              <a:buSzTx/>
-              <a:buFontTx/>
-              <a:buNone/>
-              <a:tabLst/>
-              <a:defRPr/>
-            </a:pPr>
-            <a:endParaRPr lang="en-US" sz="2400" dirty="0">
-              <a:latin typeface="Calibri" charset="0"/>
-              <a:ea typeface="Calibri" charset="0"/>
-              <a:cs typeface="Calibri" charset="0"/>
-            </a:endParaRPr>
+              <a:rPr lang="en-US" dirty="0"/>
+              <a:t>Much harder than linear models</a:t>
+            </a:r>
+          </a:p>
+          <a:p>
+            <a:r>
+              <a:rPr lang="en-US" dirty="0"/>
+              <a:t>goodness of fit tests, R2 etc. can also be a bit challenging and people have suggested that many of these methods don’t work very well</a:t>
+            </a:r>
+          </a:p>
+          <a:p>
+            <a:r>
+              <a:rPr lang="en-US" dirty="0"/>
+              <a:t>Some people will compare model residual deviance which can give an indication of whether one distribution is preferred over another but this also has limitations</a:t>
+            </a:r>
+          </a:p>
+          <a:p>
+            <a:r>
+              <a:rPr lang="en-US" dirty="0"/>
+              <a:t>Do be wary of general statistical problems </a:t>
+            </a:r>
+            <a:r>
+              <a:rPr lang="mr-IN" dirty="0"/>
+              <a:t>–</a:t>
+            </a:r>
+            <a:r>
+              <a:rPr lang="en-US" dirty="0"/>
+              <a:t> multicollinearity, constant responses, too many zeros</a:t>
+            </a:r>
+          </a:p>
+          <a:p>
+            <a:pPr lvl="1"/>
+            <a:r>
+              <a:rPr lang="en-US" dirty="0"/>
+              <a:t>There is always the gut check test too </a:t>
+            </a:r>
+            <a:r>
+              <a:rPr lang="mr-IN" dirty="0"/>
+              <a:t>–</a:t>
+            </a:r>
+            <a:r>
+              <a:rPr lang="en-US" dirty="0"/>
+              <a:t> plot your data and model output and ask yourself </a:t>
+            </a:r>
+            <a:r>
+              <a:rPr lang="mr-IN" dirty="0"/>
+              <a:t>–</a:t>
+            </a:r>
+            <a:r>
+              <a:rPr lang="en-US" dirty="0"/>
+              <a:t> does it look like anything funny is happening here? </a:t>
+            </a:r>
+          </a:p>
+          <a:p>
+            <a:endParaRPr lang="en-US" dirty="0"/>
+          </a:p>
+          <a:p>
+            <a:endParaRPr lang="en-US" dirty="0"/>
           </a:p>
         </p:txBody>
       </p:sp>
     </p:spTree>
     <p:extLst>
       <p:ext uri="{BB962C8B-B14F-4D97-AF65-F5344CB8AC3E}">
-        <p14:creationId xmlns:p14="http://schemas.microsoft.com/office/powerpoint/2010/main" val="633872347"/>
+        <p14:creationId xmlns:p14="http://schemas.microsoft.com/office/powerpoint/2010/main" val="548665744"/>
       </p:ext>
     </p:extLst>
   </p:cSld>
@@ -6392,13 +6168,7 @@
       </p:grpSpPr>
       <p:sp>
         <p:nvSpPr>
-          <p:cNvPr id="2" name="Title 1">
-            <a:extLst>
-              <a:ext uri="{FF2B5EF4-FFF2-40B4-BE49-F238E27FC236}">
-                <a16:creationId xmlns:a16="http://schemas.microsoft.com/office/drawing/2014/main" id="{D8B3361F-E91A-7C4D-9171-EAE07804945C}"/>
-              </a:ext>
-            </a:extLst>
-          </p:cNvPr>
+          <p:cNvPr id="2" name="Title 1"/>
           <p:cNvSpPr>
             <a:spLocks noGrp="1"/>
           </p:cNvSpPr>
@@ -6413,20 +6183,14 @@
           <a:p>
             <a:r>
               <a:rPr lang="en-US" dirty="0"/>
-              <a:t>Assignment</a:t>
-            </a:r>
-          </a:p>
-        </p:txBody>
-      </p:sp>
-      <p:sp>
-        <p:nvSpPr>
-          <p:cNvPr id="3" name="Content Placeholder 2">
-            <a:extLst>
-              <a:ext uri="{FF2B5EF4-FFF2-40B4-BE49-F238E27FC236}">
-                <a16:creationId xmlns:a16="http://schemas.microsoft.com/office/drawing/2014/main" id="{2AD760A6-53ED-2745-8126-44C836EC26ED}"/>
-              </a:ext>
-            </a:extLst>
-          </p:cNvPr>
+              <a:t>Common mistakes</a:t>
+            </a:r>
+          </a:p>
+        </p:txBody>
+      </p:sp>
+      <p:sp>
+        <p:nvSpPr>
+          <p:cNvPr id="3" name="Content Placeholder 2"/>
           <p:cNvSpPr>
             <a:spLocks noGrp="1"/>
           </p:cNvSpPr>
@@ -6436,114 +6200,266 @@
         </p:nvSpPr>
         <p:spPr>
           <a:xfrm>
-            <a:off x="838200" y="1424763"/>
-            <a:ext cx="10515600" cy="4752200"/>
+            <a:off x="838200" y="1484243"/>
+            <a:ext cx="10515600" cy="4692720"/>
           </a:xfrm>
         </p:spPr>
         <p:txBody>
           <a:bodyPr>
-            <a:normAutofit fontScale="77500" lnSpcReduction="20000"/>
+            <a:normAutofit/>
           </a:bodyPr>
           <a:lstStyle/>
           <a:p>
-            <a:pPr marL="0" indent="0">
+            <a:r>
+              <a:rPr lang="en-US" sz="2400" dirty="0">
+                <a:solidFill>
+                  <a:srgbClr val="262626"/>
+                </a:solidFill>
+                <a:latin typeface="Calibri" charset="0"/>
+                <a:ea typeface="Calibri" charset="0"/>
+                <a:cs typeface="Calibri" charset="0"/>
+              </a:rPr>
+              <a:t>ignoring </a:t>
+            </a:r>
+            <a:r>
+              <a:rPr lang="en-US" sz="2400" dirty="0" err="1">
+                <a:solidFill>
+                  <a:srgbClr val="262626"/>
+                </a:solidFill>
+                <a:latin typeface="Calibri" charset="0"/>
+                <a:ea typeface="Calibri" charset="0"/>
+                <a:cs typeface="Calibri" charset="0"/>
+              </a:rPr>
+              <a:t>overdispersion</a:t>
+            </a:r>
+            <a:endParaRPr lang="en-US" sz="2400" dirty="0">
+              <a:solidFill>
+                <a:srgbClr val="262626"/>
+              </a:solidFill>
+              <a:latin typeface="Calibri" charset="0"/>
+              <a:ea typeface="Calibri" charset="0"/>
+              <a:cs typeface="Calibri" charset="0"/>
+            </a:endParaRPr>
+          </a:p>
+          <a:p>
+            <a:r>
+              <a:rPr lang="en-US" sz="2400" dirty="0">
+                <a:solidFill>
+                  <a:srgbClr val="262626"/>
+                </a:solidFill>
+                <a:latin typeface="Calibri" charset="0"/>
+                <a:ea typeface="Calibri" charset="0"/>
+                <a:cs typeface="Calibri" charset="0"/>
+              </a:rPr>
+              <a:t>applying discrete models (Poisson, binomial) to non-discrete data: </a:t>
+            </a:r>
+            <a:r>
+              <a:rPr lang="en-US" sz="2400" b="1" dirty="0">
+                <a:solidFill>
+                  <a:srgbClr val="262626"/>
+                </a:solidFill>
+                <a:latin typeface="Calibri" charset="0"/>
+                <a:ea typeface="Calibri" charset="0"/>
+                <a:cs typeface="Calibri" charset="0"/>
+              </a:rPr>
+              <a:t>don’t divide!</a:t>
+            </a:r>
+            <a:endParaRPr lang="en-US" sz="2400" dirty="0">
+              <a:solidFill>
+                <a:srgbClr val="262626"/>
+              </a:solidFill>
+              <a:latin typeface="Calibri" charset="0"/>
+              <a:ea typeface="Calibri" charset="0"/>
+              <a:cs typeface="Calibri" charset="0"/>
+            </a:endParaRPr>
+          </a:p>
+          <a:p>
+            <a:r>
+              <a:rPr lang="en-US" sz="2400" dirty="0">
+                <a:solidFill>
+                  <a:srgbClr val="262626"/>
+                </a:solidFill>
+                <a:latin typeface="Calibri" charset="0"/>
+                <a:ea typeface="Calibri" charset="0"/>
+                <a:cs typeface="Calibri" charset="0"/>
+              </a:rPr>
+              <a:t>equating negative binomial with binomial rather than Poisson</a:t>
+            </a:r>
+          </a:p>
+          <a:p>
+            <a:r>
+              <a:rPr lang="en-US" sz="2400" dirty="0">
+                <a:solidFill>
+                  <a:srgbClr val="262626"/>
+                </a:solidFill>
+                <a:latin typeface="Calibri" charset="0"/>
+                <a:ea typeface="Calibri" charset="0"/>
+                <a:cs typeface="Calibri" charset="0"/>
+              </a:rPr>
+              <a:t>confusion in interpreting effects</a:t>
+            </a:r>
+          </a:p>
+          <a:p>
+            <a:r>
+              <a:rPr lang="en-US" sz="2400" dirty="0">
+                <a:solidFill>
+                  <a:srgbClr val="262626"/>
+                </a:solidFill>
+                <a:latin typeface="Calibri" charset="0"/>
+                <a:ea typeface="Calibri" charset="0"/>
+                <a:cs typeface="Calibri" charset="0"/>
+              </a:rPr>
+              <a:t>back-transforming standard errors</a:t>
+            </a:r>
+          </a:p>
+          <a:p>
+            <a:r>
+              <a:rPr lang="en-US" sz="2400" dirty="0">
+                <a:solidFill>
+                  <a:srgbClr val="262626"/>
+                </a:solidFill>
+                <a:latin typeface="Calibri" charset="0"/>
+                <a:ea typeface="Calibri" charset="0"/>
+                <a:cs typeface="Calibri" charset="0"/>
+              </a:rPr>
+              <a:t>getting confused by predictions on the linear predictor scale</a:t>
+            </a:r>
+          </a:p>
+          <a:p>
+            <a:r>
+              <a:rPr lang="en-US" sz="2400" dirty="0">
+                <a:solidFill>
+                  <a:srgbClr val="262626"/>
+                </a:solidFill>
+                <a:latin typeface="Calibri" charset="0"/>
+                <a:ea typeface="Calibri" charset="0"/>
+                <a:cs typeface="Calibri" charset="0"/>
+              </a:rPr>
+              <a:t>using GLMs where linear models will do (i.e. </a:t>
+            </a:r>
+            <a:r>
+              <a:rPr lang="en-US" sz="2400" dirty="0" err="1">
+                <a:solidFill>
+                  <a:srgbClr val="262626"/>
+                </a:solidFill>
+                <a:latin typeface="Calibri" charset="0"/>
+                <a:ea typeface="Calibri" charset="0"/>
+                <a:cs typeface="Calibri" charset="0"/>
+              </a:rPr>
+              <a:t>glm</a:t>
+            </a:r>
+            <a:r>
+              <a:rPr lang="en-US" sz="2400" dirty="0">
+                <a:solidFill>
+                  <a:srgbClr val="262626"/>
+                </a:solidFill>
+                <a:latin typeface="Calibri" charset="0"/>
+                <a:ea typeface="Calibri" charset="0"/>
+                <a:cs typeface="Calibri" charset="0"/>
+              </a:rPr>
+              <a:t> instead of lm) (</a:t>
+            </a:r>
+            <a:r>
+              <a:rPr lang="en-US" sz="2400" i="1" dirty="0">
+                <a:solidFill>
+                  <a:srgbClr val="262626"/>
+                </a:solidFill>
+                <a:latin typeface="Calibri" charset="0"/>
+                <a:ea typeface="Calibri" charset="0"/>
+                <a:cs typeface="Calibri" charset="0"/>
+              </a:rPr>
+              <a:t>mostly harmless</a:t>
+            </a:r>
+            <a:r>
+              <a:rPr lang="en-US" sz="2400" dirty="0">
+                <a:solidFill>
+                  <a:srgbClr val="262626"/>
+                </a:solidFill>
+                <a:latin typeface="Calibri" charset="0"/>
+                <a:ea typeface="Calibri" charset="0"/>
+                <a:cs typeface="Calibri" charset="0"/>
+              </a:rPr>
+              <a:t>)</a:t>
+            </a:r>
+          </a:p>
+          <a:p>
+            <a:r>
+              <a:rPr lang="en-US" sz="2400" dirty="0">
+                <a:solidFill>
+                  <a:srgbClr val="262626"/>
+                </a:solidFill>
+                <a:latin typeface="Calibri" charset="0"/>
+                <a:ea typeface="Calibri" charset="0"/>
+                <a:cs typeface="Calibri" charset="0"/>
+              </a:rPr>
+              <a:t>forgetting to use type="response" using </a:t>
+            </a:r>
+            <a:r>
+              <a:rPr lang="en-US" sz="2400" dirty="0" err="1">
+                <a:solidFill>
+                  <a:srgbClr val="262626"/>
+                </a:solidFill>
+                <a:latin typeface="Calibri" charset="0"/>
+                <a:ea typeface="Calibri" charset="0"/>
+                <a:cs typeface="Calibri" charset="0"/>
+              </a:rPr>
+              <a:t>predict.glm</a:t>
+            </a:r>
+            <a:r>
+              <a:rPr lang="en-US" sz="2400" dirty="0">
+                <a:solidFill>
+                  <a:srgbClr val="262626"/>
+                </a:solidFill>
+                <a:latin typeface="Calibri" charset="0"/>
+                <a:ea typeface="Calibri" charset="0"/>
+                <a:cs typeface="Calibri" charset="0"/>
+              </a:rPr>
+              <a:t>()</a:t>
+            </a:r>
+          </a:p>
+          <a:p>
+            <a:r>
+              <a:rPr lang="en-US" sz="2400" dirty="0">
+                <a:solidFill>
+                  <a:srgbClr val="262626"/>
+                </a:solidFill>
+                <a:latin typeface="Calibri" charset="0"/>
+                <a:ea typeface="Calibri" charset="0"/>
+                <a:cs typeface="Calibri" charset="0"/>
+              </a:rPr>
+              <a:t>ignoring blocking factors (e.g. failing to use mixed models where necessary)</a:t>
+            </a:r>
+          </a:p>
+          <a:p>
+            <a:pPr marL="0" marR="0" lvl="0" indent="0" defTabSz="914400" eaLnBrk="1" fontAlgn="auto" latinLnBrk="0" hangingPunct="1">
+              <a:lnSpc>
+                <a:spcPct val="100000"/>
+              </a:lnSpc>
+              <a:spcBef>
+                <a:spcPts val="0"/>
+              </a:spcBef>
+              <a:spcAft>
+                <a:spcPts val="0"/>
+              </a:spcAft>
+              <a:buClrTx/>
+              <a:buSzTx/>
+              <a:buFontTx/>
               <a:buNone/>
+              <a:tabLst/>
+              <a:defRPr/>
             </a:pPr>
-            <a:r>
-              <a:rPr lang="en-US" u="sng" dirty="0"/>
-              <a:t>Part 1 - GLMs</a:t>
-            </a:r>
-            <a:endParaRPr lang="en-US" dirty="0"/>
-          </a:p>
-          <a:p>
-            <a:r>
-              <a:rPr lang="en-US" dirty="0"/>
-              <a:t>Make a generalized linear model (preferably with more than one variable) for one of your hypotheses. Articulate which hypothesis you are testing.</a:t>
-            </a:r>
-          </a:p>
-          <a:p>
-            <a:r>
-              <a:rPr lang="en-US" dirty="0"/>
-              <a:t>Explain what the R output is telling you about your data, in relation to your hypothesis.</a:t>
-            </a:r>
-            <a:br>
-              <a:rPr lang="en-US" dirty="0"/>
-            </a:br>
-            <a:r>
-              <a:rPr lang="en-US" dirty="0"/>
-              <a:t>(Hint: you can use </a:t>
-            </a:r>
-            <a:r>
-              <a:rPr lang="en-US" dirty="0" err="1"/>
-              <a:t>lsmeans</a:t>
-            </a:r>
-            <a:r>
-              <a:rPr lang="en-US" dirty="0"/>
-              <a:t>, effects, relevel, or predict to help you.) </a:t>
-            </a:r>
-            <a:r>
-              <a:rPr lang="en-US" u="sng" dirty="0"/>
-              <a:t>You should include this explanation in </a:t>
-            </a:r>
-            <a:r>
-              <a:rPr lang="en-US" i="1" u="sng" dirty="0"/>
-              <a:t>either </a:t>
-            </a:r>
-            <a:r>
-              <a:rPr lang="en-US" u="sng" dirty="0"/>
-              <a:t>your README or in your code.</a:t>
-            </a:r>
-            <a:endParaRPr lang="en-US" dirty="0"/>
-          </a:p>
-          <a:p>
-            <a:r>
-              <a:rPr lang="en-US" dirty="0"/>
-              <a:t>Plot your model (e.g. using predict) and overlay the model on top of the underlying data. Remember that you will need to use “type=response”.</a:t>
-            </a:r>
-          </a:p>
-          <a:p>
-            <a:r>
-              <a:rPr lang="en-US" dirty="0"/>
-              <a:t>Write a results statement (as you would in a scientific paper). If you need to reference a statistical table, you can include this result statement and table as a separate document that you upload with your text entry. (You can title this LASTNAME_WEEK10_Results.) Please remember to also commit and push to </a:t>
-            </a:r>
-            <a:r>
-              <a:rPr lang="en-US" dirty="0" err="1"/>
-              <a:t>github</a:t>
-            </a:r>
-            <a:r>
-              <a:rPr lang="en-US" dirty="0"/>
-              <a:t>. </a:t>
-            </a:r>
-            <a:br>
-              <a:rPr lang="en-US" dirty="0"/>
-            </a:br>
-            <a:endParaRPr lang="en-US" dirty="0"/>
-          </a:p>
-          <a:p>
-            <a:r>
-              <a:rPr lang="en-US" dirty="0"/>
-              <a:t>You will turn in this assignment in two weeks with model comparisons</a:t>
-            </a:r>
-            <a:br>
-              <a:rPr lang="en-US" dirty="0"/>
-            </a:br>
-            <a:endParaRPr lang="en-US" dirty="0"/>
-          </a:p>
-          <a:p>
-            <a:endParaRPr lang="en-US" dirty="0"/>
-          </a:p>
-          <a:p>
-            <a:endParaRPr lang="en-US" dirty="0"/>
-          </a:p>
-          <a:p>
-            <a:endParaRPr lang="en-US" dirty="0"/>
+            <a:endParaRPr lang="en-US" sz="2400" dirty="0">
+              <a:latin typeface="Calibri" charset="0"/>
+              <a:ea typeface="Calibri" charset="0"/>
+              <a:cs typeface="Calibri" charset="0"/>
+            </a:endParaRPr>
           </a:p>
         </p:txBody>
       </p:sp>
     </p:spTree>
     <p:extLst>
       <p:ext uri="{BB962C8B-B14F-4D97-AF65-F5344CB8AC3E}">
-        <p14:creationId xmlns:p14="http://schemas.microsoft.com/office/powerpoint/2010/main" val="3266337322"/>
+        <p14:creationId xmlns:p14="http://schemas.microsoft.com/office/powerpoint/2010/main" val="633872347"/>
       </p:ext>
     </p:extLst>
   </p:cSld>
@@ -6572,6 +6488,178 @@
       </p:grpSpPr>
       <p:sp>
         <p:nvSpPr>
+          <p:cNvPr id="2" name="Title 1">
+            <a:extLst>
+              <a:ext uri="{FF2B5EF4-FFF2-40B4-BE49-F238E27FC236}">
+                <a16:creationId xmlns:a16="http://schemas.microsoft.com/office/drawing/2014/main" id="{D8B3361F-E91A-7C4D-9171-EAE07804945C}"/>
+              </a:ext>
+            </a:extLst>
+          </p:cNvPr>
+          <p:cNvSpPr>
+            <a:spLocks noGrp="1"/>
+          </p:cNvSpPr>
+          <p:nvPr>
+            <p:ph type="title"/>
+          </p:nvPr>
+        </p:nvSpPr>
+        <p:spPr/>
+        <p:txBody>
+          <a:bodyPr/>
+          <a:lstStyle/>
+          <a:p>
+            <a:r>
+              <a:rPr lang="en-US" dirty="0"/>
+              <a:t>Assignment</a:t>
+            </a:r>
+          </a:p>
+        </p:txBody>
+      </p:sp>
+      <p:sp>
+        <p:nvSpPr>
+          <p:cNvPr id="3" name="Content Placeholder 2">
+            <a:extLst>
+              <a:ext uri="{FF2B5EF4-FFF2-40B4-BE49-F238E27FC236}">
+                <a16:creationId xmlns:a16="http://schemas.microsoft.com/office/drawing/2014/main" id="{2AD760A6-53ED-2745-8126-44C836EC26ED}"/>
+              </a:ext>
+            </a:extLst>
+          </p:cNvPr>
+          <p:cNvSpPr>
+            <a:spLocks noGrp="1"/>
+          </p:cNvSpPr>
+          <p:nvPr>
+            <p:ph idx="1"/>
+          </p:nvPr>
+        </p:nvSpPr>
+        <p:spPr>
+          <a:xfrm>
+            <a:off x="838200" y="1424763"/>
+            <a:ext cx="10515600" cy="4752200"/>
+          </a:xfrm>
+        </p:spPr>
+        <p:txBody>
+          <a:bodyPr>
+            <a:normAutofit fontScale="77500" lnSpcReduction="20000"/>
+          </a:bodyPr>
+          <a:lstStyle/>
+          <a:p>
+            <a:pPr marL="0" indent="0">
+              <a:buNone/>
+            </a:pPr>
+            <a:r>
+              <a:rPr lang="en-US" u="sng" dirty="0"/>
+              <a:t>Part 1 - GLMs</a:t>
+            </a:r>
+            <a:endParaRPr lang="en-US" dirty="0"/>
+          </a:p>
+          <a:p>
+            <a:r>
+              <a:rPr lang="en-US" dirty="0"/>
+              <a:t>Make a generalized linear model (preferably with more than one variable) for one of your hypotheses. Articulate which hypothesis you are testing.</a:t>
+            </a:r>
+          </a:p>
+          <a:p>
+            <a:r>
+              <a:rPr lang="en-US" dirty="0"/>
+              <a:t>Explain what the R output is telling you about your data, in relation to your hypothesis.</a:t>
+            </a:r>
+            <a:br>
+              <a:rPr lang="en-US" dirty="0"/>
+            </a:br>
+            <a:r>
+              <a:rPr lang="en-US" dirty="0"/>
+              <a:t>(Hint: you can use </a:t>
+            </a:r>
+            <a:r>
+              <a:rPr lang="en-US" dirty="0" err="1"/>
+              <a:t>emmeans</a:t>
+            </a:r>
+            <a:r>
+              <a:rPr lang="en-US" dirty="0"/>
+              <a:t>, effects, relevel, or predict to help you.) </a:t>
+            </a:r>
+            <a:r>
+              <a:rPr lang="en-US" u="sng" dirty="0"/>
+              <a:t>You should include this explanation in your code.</a:t>
+            </a:r>
+            <a:endParaRPr lang="en-US" dirty="0"/>
+          </a:p>
+          <a:p>
+            <a:r>
+              <a:rPr lang="en-US" dirty="0"/>
+              <a:t>Plot your model (e.g. using predict) and overlay the model on top of the underlying data. Remember that you will need to use “type=response”.</a:t>
+            </a:r>
+          </a:p>
+          <a:p>
+            <a:r>
+              <a:rPr lang="en-US" dirty="0"/>
+              <a:t>Write a results statement (as you would in a scientific paper). If you need to reference a statistical table, you can include this result statement and table as a separate document that you upload with your text entry. (You can title this LASTNAME_WEEK10_Results.) Please remember to also commit and push to </a:t>
+            </a:r>
+            <a:r>
+              <a:rPr lang="en-US" dirty="0" err="1"/>
+              <a:t>github</a:t>
+            </a:r>
+            <a:r>
+              <a:rPr lang="en-US" dirty="0"/>
+              <a:t>. </a:t>
+            </a:r>
+            <a:br>
+              <a:rPr lang="en-US" dirty="0"/>
+            </a:br>
+            <a:endParaRPr lang="en-US" dirty="0"/>
+          </a:p>
+          <a:p>
+            <a:r>
+              <a:rPr lang="en-US" dirty="0"/>
+              <a:t>You will turn in this assignment in two weeks with model comparisons</a:t>
+            </a:r>
+            <a:br>
+              <a:rPr lang="en-US" dirty="0"/>
+            </a:br>
+            <a:endParaRPr lang="en-US" dirty="0"/>
+          </a:p>
+          <a:p>
+            <a:endParaRPr lang="en-US" dirty="0"/>
+          </a:p>
+          <a:p>
+            <a:endParaRPr lang="en-US" dirty="0"/>
+          </a:p>
+          <a:p>
+            <a:endParaRPr lang="en-US" dirty="0"/>
+          </a:p>
+        </p:txBody>
+      </p:sp>
+    </p:spTree>
+    <p:extLst>
+      <p:ext uri="{BB962C8B-B14F-4D97-AF65-F5344CB8AC3E}">
+        <p14:creationId xmlns:p14="http://schemas.microsoft.com/office/powerpoint/2010/main" val="3266337322"/>
+      </p:ext>
+    </p:extLst>
+  </p:cSld>
+  <p:clrMapOvr>
+    <a:masterClrMapping/>
+  </p:clrMapOvr>
+</p:sld>
+</file>
+
+<file path=ppt/slides/slide33.xml><?xml version="1.0" encoding="utf-8"?>
+<p:sld xmlns:a="http://schemas.openxmlformats.org/drawingml/2006/main" xmlns:r="http://schemas.openxmlformats.org/officeDocument/2006/relationships" xmlns:p="http://schemas.openxmlformats.org/presentationml/2006/main">
+  <p:cSld>
+    <p:spTree>
+      <p:nvGrpSpPr>
+        <p:cNvPr id="1" name=""/>
+        <p:cNvGrpSpPr/>
+        <p:nvPr/>
+      </p:nvGrpSpPr>
+      <p:grpSpPr>
+        <a:xfrm>
+          <a:off x="0" y="0"/>
+          <a:ext cx="0" cy="0"/>
+          <a:chOff x="0" y="0"/>
+          <a:chExt cx="0" cy="0"/>
+        </a:xfrm>
+      </p:grpSpPr>
+      <p:sp>
+        <p:nvSpPr>
           <p:cNvPr id="2" name="Title 1"/>
           <p:cNvSpPr>
             <a:spLocks noGrp="1"/>
@@ -6783,7 +6871,7 @@
 </p:sld>
 </file>
 
-<file path=ppt/slides/slide33.xml><?xml version="1.0" encoding="utf-8"?>
+<file path=ppt/slides/slide34.xml><?xml version="1.0" encoding="utf-8"?>
 <p:sld xmlns:a="http://schemas.openxmlformats.org/drawingml/2006/main" xmlns:r="http://schemas.openxmlformats.org/officeDocument/2006/relationships" xmlns:p="http://schemas.openxmlformats.org/presentationml/2006/main">
   <p:cSld>
     <p:spTree>
@@ -7057,7 +7145,7 @@
           <a:p>
             <a:r>
               <a:rPr lang="en-US" dirty="0"/>
-              <a:t>Generalized linear models</a:t>
+              <a:t>Reference on writing results</a:t>
             </a:r>
           </a:p>
         </p:txBody>
@@ -7079,61 +7167,15 @@
           <a:p>
             <a:r>
               <a:rPr lang="en-US" dirty="0"/>
-              <a:t>in R: </a:t>
-            </a:r>
-            <a:r>
-              <a:rPr lang="en-US" dirty="0" err="1"/>
-              <a:t>glm</a:t>
-            </a:r>
-            <a:r>
-              <a:rPr lang="en-US" dirty="0"/>
-              <a:t>(), model specification as before: </a:t>
-            </a:r>
-            <a:r>
-              <a:rPr lang="en-US" dirty="0" err="1">
-                <a:latin typeface="Courier New" charset="0"/>
-                <a:ea typeface="Courier New" charset="0"/>
-                <a:cs typeface="Courier New" charset="0"/>
-              </a:rPr>
-              <a:t>glm</a:t>
-            </a:r>
-            <a:r>
-              <a:rPr lang="en-US" dirty="0">
-                <a:latin typeface="Courier New" charset="0"/>
-                <a:ea typeface="Courier New" charset="0"/>
-                <a:cs typeface="Courier New" charset="0"/>
-              </a:rPr>
-              <a:t>(y~f1+x1+f2+x2, data=..., ...)</a:t>
-            </a:r>
-          </a:p>
-          <a:p>
-            <a:r>
-              <a:rPr lang="en-US" dirty="0"/>
-              <a:t>definition: </a:t>
-            </a:r>
-            <a:r>
-              <a:rPr lang="en-US" i="1" dirty="0"/>
-              <a:t>family</a:t>
-            </a:r>
-            <a:r>
-              <a:rPr lang="en-US" dirty="0"/>
-              <a:t> + </a:t>
-            </a:r>
-            <a:r>
-              <a:rPr lang="en-US" i="1" dirty="0"/>
-              <a:t>link function</a:t>
-            </a:r>
-            <a:endParaRPr lang="en-US" dirty="0"/>
-          </a:p>
-          <a:p>
-            <a:endParaRPr lang="en-US" dirty="0"/>
+              <a:t>There is a document on canvas with some tips for writing results statements</a:t>
+            </a:r>
           </a:p>
         </p:txBody>
       </p:sp>
     </p:spTree>
     <p:extLst>
       <p:ext uri="{BB962C8B-B14F-4D97-AF65-F5344CB8AC3E}">
-        <p14:creationId xmlns:p14="http://schemas.microsoft.com/office/powerpoint/2010/main" val="1622846129"/>
+        <p14:creationId xmlns:p14="http://schemas.microsoft.com/office/powerpoint/2010/main" val="1975800621"/>
       </p:ext>
     </p:extLst>
   </p:cSld>
@@ -7176,56 +7218,84 @@
           <a:lstStyle/>
           <a:p>
             <a:r>
+              <a:rPr lang="en-US" dirty="0"/>
+              <a:t>Generalized linear models</a:t>
+            </a:r>
+          </a:p>
+        </p:txBody>
+      </p:sp>
+      <p:sp>
+        <p:nvSpPr>
+          <p:cNvPr id="3" name="Content Placeholder 2"/>
+          <p:cNvSpPr>
+            <a:spLocks noGrp="1"/>
+          </p:cNvSpPr>
+          <p:nvPr>
+            <p:ph idx="1"/>
+          </p:nvPr>
+        </p:nvSpPr>
+        <p:spPr/>
+        <p:txBody>
+          <a:bodyPr/>
+          <a:lstStyle/>
+          <a:p>
+            <a:r>
+              <a:rPr lang="en-US" dirty="0"/>
+              <a:t>in R: </a:t>
+            </a:r>
+            <a:r>
               <a:rPr lang="en-US" dirty="0" err="1"/>
               <a:t>glm</a:t>
             </a:r>
+            <a:r>
+              <a:rPr lang="en-US" dirty="0"/>
+              <a:t>(), model specification as before: </a:t>
+            </a:r>
+            <a:r>
+              <a:rPr lang="en-US" dirty="0" err="1">
+                <a:latin typeface="Courier New" charset="0"/>
+                <a:ea typeface="Courier New" charset="0"/>
+                <a:cs typeface="Courier New" charset="0"/>
+              </a:rPr>
+              <a:t>glm</a:t>
+            </a:r>
+            <a:r>
+              <a:rPr lang="en-US" dirty="0">
+                <a:latin typeface="Courier New" charset="0"/>
+                <a:ea typeface="Courier New" charset="0"/>
+                <a:cs typeface="Courier New" charset="0"/>
+              </a:rPr>
+              <a:t>(y~f1+x1+f2+x2, data=..., ...)</a:t>
+            </a:r>
+          </a:p>
+          <a:p>
+            <a:r>
+              <a:rPr lang="en-US" dirty="0"/>
+              <a:t>definition: </a:t>
+            </a:r>
+            <a:r>
+              <a:rPr lang="en-US" i="1" dirty="0"/>
+              <a:t>family</a:t>
+            </a:r>
+            <a:r>
+              <a:rPr lang="en-US" dirty="0"/>
+              <a:t> + </a:t>
+            </a:r>
+            <a:r>
+              <a:rPr lang="en-US" i="1" dirty="0"/>
+              <a:t>link function</a:t>
+            </a:r>
             <a:endParaRPr lang="en-US" dirty="0"/>
           </a:p>
-        </p:txBody>
-      </p:sp>
-      <p:sp>
-        <p:nvSpPr>
-          <p:cNvPr id="3" name="Content Placeholder 2"/>
-          <p:cNvSpPr>
-            <a:spLocks noGrp="1"/>
-          </p:cNvSpPr>
-          <p:nvPr>
-            <p:ph idx="1"/>
-          </p:nvPr>
-        </p:nvSpPr>
-        <p:spPr/>
-        <p:txBody>
-          <a:bodyPr/>
-          <a:lstStyle/>
-          <a:p>
-            <a:r>
-              <a:rPr lang="en-US" dirty="0"/>
-              <a:t>Type “?</a:t>
-            </a:r>
-            <a:r>
-              <a:rPr lang="en-US" dirty="0" err="1"/>
-              <a:t>glm</a:t>
-            </a:r>
-            <a:r>
-              <a:rPr lang="en-US" dirty="0"/>
-              <a:t>”</a:t>
-            </a:r>
-          </a:p>
           <a:p>
             <a:endParaRPr lang="en-US" dirty="0"/>
-          </a:p>
-          <a:p>
-            <a:r>
-              <a:rPr lang="en-US" dirty="0"/>
-              <a:t>What does this tell us?</a:t>
-            </a:r>
           </a:p>
         </p:txBody>
       </p:sp>
     </p:spTree>
     <p:extLst>
       <p:ext uri="{BB962C8B-B14F-4D97-AF65-F5344CB8AC3E}">
-        <p14:creationId xmlns:p14="http://schemas.microsoft.com/office/powerpoint/2010/main" val="1320289651"/>
+        <p14:creationId xmlns:p14="http://schemas.microsoft.com/office/powerpoint/2010/main" val="1622846129"/>
       </p:ext>
     </p:extLst>
   </p:cSld>
@@ -7268,9 +7338,10 @@
           <a:lstStyle/>
           <a:p>
             <a:r>
-              <a:rPr lang="en-US" dirty="0"/>
-              <a:t>Family</a:t>
-            </a:r>
+              <a:rPr lang="en-US" dirty="0" err="1"/>
+              <a:t>glm</a:t>
+            </a:r>
+            <a:endParaRPr lang="en-US" dirty="0"/>
           </a:p>
         </p:txBody>
       </p:sp>
@@ -7286,297 +7357,29 @@
         </p:nvSpPr>
         <p:spPr/>
         <p:txBody>
-          <a:bodyPr>
-            <a:normAutofit fontScale="55000" lnSpcReduction="20000"/>
-          </a:bodyPr>
-          <a:lstStyle/>
-          <a:p>
-            <a:pPr>
-              <a:lnSpc>
-                <a:spcPct val="100000"/>
-              </a:lnSpc>
-              <a:spcBef>
-                <a:spcPts val="0"/>
-              </a:spcBef>
-            </a:pPr>
-            <a:r>
-              <a:rPr lang="en-US" dirty="0"/>
-              <a:t>The </a:t>
-            </a:r>
-            <a:r>
-              <a:rPr lang="en-US" dirty="0">
-                <a:latin typeface="Courier New" charset="0"/>
-                <a:ea typeface="Courier New" charset="0"/>
-                <a:cs typeface="Courier New" charset="0"/>
-              </a:rPr>
-              <a:t>family = </a:t>
-            </a:r>
-            <a:r>
-              <a:rPr lang="en-US" dirty="0">
-                <a:ea typeface="Courier New" charset="0"/>
-                <a:cs typeface="Courier New" charset="0"/>
-              </a:rPr>
-              <a:t>argument specifies the distribution you want to use</a:t>
-            </a:r>
-          </a:p>
-          <a:p>
-            <a:pPr>
-              <a:lnSpc>
-                <a:spcPct val="100000"/>
-              </a:lnSpc>
-              <a:spcBef>
-                <a:spcPts val="0"/>
-              </a:spcBef>
-            </a:pPr>
-            <a:endParaRPr lang="en-US" dirty="0">
-              <a:ea typeface="Courier New" charset="0"/>
-              <a:cs typeface="Courier New" charset="0"/>
-            </a:endParaRPr>
-          </a:p>
-          <a:p>
-            <a:pPr>
-              <a:lnSpc>
-                <a:spcPct val="100000"/>
-              </a:lnSpc>
-              <a:spcBef>
-                <a:spcPts val="0"/>
-              </a:spcBef>
-            </a:pPr>
-            <a:r>
-              <a:rPr lang="en-US" dirty="0">
-                <a:ea typeface="Courier New" charset="0"/>
-                <a:cs typeface="Courier New" charset="0"/>
-              </a:rPr>
-              <a:t>The default is </a:t>
-            </a:r>
-            <a:r>
-              <a:rPr lang="en-US" dirty="0" err="1">
-                <a:ea typeface="Courier New" charset="0"/>
-                <a:cs typeface="Courier New" charset="0"/>
-              </a:rPr>
-              <a:t>gaussian</a:t>
-            </a:r>
-            <a:endParaRPr lang="en-US" dirty="0">
-              <a:ea typeface="Courier New" charset="0"/>
-              <a:cs typeface="Courier New" charset="0"/>
-            </a:endParaRPr>
-          </a:p>
-          <a:p>
-            <a:pPr>
-              <a:lnSpc>
-                <a:spcPct val="100000"/>
-              </a:lnSpc>
-              <a:spcBef>
-                <a:spcPts val="0"/>
-              </a:spcBef>
-            </a:pPr>
-            <a:endParaRPr lang="en-US" dirty="0">
-              <a:latin typeface="Courier New" charset="0"/>
-              <a:ea typeface="Courier New" charset="0"/>
-              <a:cs typeface="Courier New" charset="0"/>
-            </a:endParaRPr>
-          </a:p>
-          <a:p>
-            <a:pPr>
-              <a:lnSpc>
-                <a:spcPct val="100000"/>
-              </a:lnSpc>
-              <a:spcBef>
-                <a:spcPts val="0"/>
-              </a:spcBef>
-            </a:pPr>
-            <a:r>
-              <a:rPr lang="en-US" dirty="0">
-                <a:ea typeface="Courier New" charset="0"/>
-                <a:cs typeface="Courier New" charset="0"/>
-              </a:rPr>
-              <a:t>in base R, e.g. </a:t>
-            </a:r>
-            <a:r>
-              <a:rPr lang="en-US" dirty="0" err="1">
-                <a:latin typeface="Courier New" charset="0"/>
-                <a:ea typeface="Courier New" charset="0"/>
-                <a:cs typeface="Courier New" charset="0"/>
-              </a:rPr>
+          <a:bodyPr/>
+          <a:lstStyle/>
+          <a:p>
+            <a:r>
+              <a:rPr lang="en-US" dirty="0"/>
+              <a:t>Type “?</a:t>
+            </a:r>
+            <a:r>
+              <a:rPr lang="en-US" dirty="0" err="1"/>
               <a:t>glm</a:t>
             </a:r>
             <a:r>
-              <a:rPr lang="en-US" dirty="0">
-                <a:latin typeface="Courier New" charset="0"/>
-                <a:ea typeface="Courier New" charset="0"/>
-                <a:cs typeface="Courier New" charset="0"/>
-              </a:rPr>
-              <a:t>()</a:t>
-            </a:r>
-            <a:r>
-              <a:rPr lang="en-US" dirty="0">
-                <a:ea typeface="Courier New" charset="0"/>
-                <a:cs typeface="Courier New" charset="0"/>
-              </a:rPr>
-              <a:t>the possible choices are these:</a:t>
-            </a:r>
-          </a:p>
-          <a:p>
-            <a:endParaRPr lang="en-US" dirty="0">
-              <a:solidFill>
-                <a:prstClr val="black"/>
-              </a:solidFill>
-              <a:latin typeface="Courier" charset="0"/>
-            </a:endParaRPr>
-          </a:p>
-          <a:p>
-            <a:r>
-              <a:rPr lang="en-US" dirty="0">
-                <a:solidFill>
-                  <a:prstClr val="black"/>
-                </a:solidFill>
-                <a:latin typeface="Courier" charset="0"/>
-              </a:rPr>
-              <a:t>binomial(link = "logit")</a:t>
-            </a:r>
-          </a:p>
-          <a:p>
-            <a:r>
-              <a:rPr lang="en-US" dirty="0" err="1">
-                <a:solidFill>
-                  <a:prstClr val="black"/>
-                </a:solidFill>
-                <a:latin typeface="Courier" charset="0"/>
-              </a:rPr>
-              <a:t>gaussian</a:t>
-            </a:r>
-            <a:r>
-              <a:rPr lang="en-US" dirty="0">
-                <a:solidFill>
-                  <a:prstClr val="black"/>
-                </a:solidFill>
-                <a:latin typeface="Courier" charset="0"/>
-              </a:rPr>
-              <a:t>(link = "identity")</a:t>
-            </a:r>
-          </a:p>
-          <a:p>
-            <a:r>
-              <a:rPr lang="en-US" dirty="0">
-                <a:solidFill>
-                  <a:prstClr val="black"/>
-                </a:solidFill>
-                <a:latin typeface="Courier" charset="0"/>
-              </a:rPr>
-              <a:t>Gamma(link = "inverse")</a:t>
-            </a:r>
-          </a:p>
-          <a:p>
-            <a:r>
-              <a:rPr lang="en-US" dirty="0" err="1">
-                <a:solidFill>
-                  <a:prstClr val="black"/>
-                </a:solidFill>
-                <a:latin typeface="Courier" charset="0"/>
-              </a:rPr>
-              <a:t>inverse.gaussian</a:t>
-            </a:r>
-            <a:r>
-              <a:rPr lang="en-US" dirty="0">
-                <a:solidFill>
-                  <a:prstClr val="black"/>
-                </a:solidFill>
-                <a:latin typeface="Courier" charset="0"/>
-              </a:rPr>
-              <a:t>(link = "1/mu^2")</a:t>
-            </a:r>
-          </a:p>
-          <a:p>
-            <a:r>
-              <a:rPr lang="en-US" dirty="0" err="1">
-                <a:solidFill>
-                  <a:prstClr val="black"/>
-                </a:solidFill>
-                <a:latin typeface="Courier" charset="0"/>
-              </a:rPr>
-              <a:t>poisson</a:t>
-            </a:r>
-            <a:r>
-              <a:rPr lang="en-US" dirty="0">
-                <a:solidFill>
-                  <a:prstClr val="black"/>
-                </a:solidFill>
-                <a:latin typeface="Courier" charset="0"/>
-              </a:rPr>
-              <a:t>(link = "log")</a:t>
-            </a:r>
-          </a:p>
-          <a:p>
-            <a:r>
-              <a:rPr lang="en-US" dirty="0">
-                <a:solidFill>
-                  <a:prstClr val="black"/>
-                </a:solidFill>
-                <a:latin typeface="Courier" charset="0"/>
-              </a:rPr>
-              <a:t>quasi(link = "identity", variance = "constant")</a:t>
-            </a:r>
-          </a:p>
-          <a:p>
-            <a:r>
-              <a:rPr lang="en-US" dirty="0" err="1">
-                <a:solidFill>
-                  <a:prstClr val="black"/>
-                </a:solidFill>
-                <a:latin typeface="Courier" charset="0"/>
-              </a:rPr>
-              <a:t>quasibinomial</a:t>
-            </a:r>
-            <a:r>
-              <a:rPr lang="en-US" dirty="0">
-                <a:solidFill>
-                  <a:prstClr val="black"/>
-                </a:solidFill>
-                <a:latin typeface="Courier" charset="0"/>
-              </a:rPr>
-              <a:t>(link = "logit")</a:t>
-            </a:r>
-          </a:p>
-          <a:p>
-            <a:r>
-              <a:rPr lang="en-US" dirty="0" err="1">
-                <a:solidFill>
-                  <a:prstClr val="black"/>
-                </a:solidFill>
-                <a:latin typeface="Courier" charset="0"/>
-              </a:rPr>
-              <a:t>quasipoisson</a:t>
-            </a:r>
-            <a:r>
-              <a:rPr lang="en-US" dirty="0">
-                <a:solidFill>
-                  <a:prstClr val="black"/>
-                </a:solidFill>
-                <a:latin typeface="Courier" charset="0"/>
-              </a:rPr>
-              <a:t>(link = "log")</a:t>
-            </a:r>
-          </a:p>
-          <a:p>
-            <a:endParaRPr lang="en-US" dirty="0">
-              <a:solidFill>
-                <a:prstClr val="black"/>
-              </a:solidFill>
-              <a:latin typeface="Courier" charset="0"/>
-              <a:ea typeface="Courier New" charset="0"/>
-              <a:cs typeface="Courier New" charset="0"/>
-            </a:endParaRPr>
-          </a:p>
-          <a:p>
-            <a:r>
-              <a:rPr lang="en-US" dirty="0">
-                <a:solidFill>
-                  <a:prstClr val="black"/>
-                </a:solidFill>
-                <a:ea typeface="Courier New" charset="0"/>
-                <a:cs typeface="Courier New" charset="0"/>
-              </a:rPr>
-              <a:t>What very useful distribution is missing?</a:t>
+              <a:rPr lang="en-US" dirty="0"/>
+              <a:t>”</a:t>
+            </a:r>
+          </a:p>
+          <a:p>
+            <a:endParaRPr lang="en-US" dirty="0"/>
+          </a:p>
+          <a:p>
+            <a:r>
+              <a:rPr lang="en-US" dirty="0"/>
+              <a:t>What does this tell us?</a:t>
             </a:r>
           </a:p>
         </p:txBody>
@@ -7584,7 +7387,7 @@
     </p:spTree>
     <p:extLst>
       <p:ext uri="{BB962C8B-B14F-4D97-AF65-F5344CB8AC3E}">
-        <p14:creationId xmlns:p14="http://schemas.microsoft.com/office/powerpoint/2010/main" val="691661802"/>
+        <p14:creationId xmlns:p14="http://schemas.microsoft.com/office/powerpoint/2010/main" val="1320289651"/>
       </p:ext>
     </p:extLst>
   </p:cSld>
@@ -7628,15 +7431,7 @@
           <a:p>
             <a:r>
               <a:rPr lang="en-US" dirty="0"/>
-              <a:t>Family </a:t>
-            </a:r>
-            <a:r>
-              <a:rPr lang="mr-IN" dirty="0"/>
-              <a:t>–</a:t>
-            </a:r>
-            <a:r>
-              <a:rPr lang="en-US" dirty="0"/>
-              <a:t> negative binomial</a:t>
+              <a:t>Family</a:t>
             </a:r>
           </a:p>
         </p:txBody>
@@ -7653,51 +7448,305 @@
         </p:nvSpPr>
         <p:spPr/>
         <p:txBody>
-          <a:bodyPr/>
-          <a:lstStyle/>
-          <a:p>
-            <a:r>
-              <a:rPr lang="en-US" dirty="0"/>
-              <a:t>To do a </a:t>
-            </a:r>
-            <a:r>
-              <a:rPr lang="en-US" dirty="0" err="1"/>
+          <a:bodyPr>
+            <a:normAutofit fontScale="55000" lnSpcReduction="20000"/>
+          </a:bodyPr>
+          <a:lstStyle/>
+          <a:p>
+            <a:pPr>
+              <a:lnSpc>
+                <a:spcPct val="100000"/>
+              </a:lnSpc>
+              <a:spcBef>
+                <a:spcPts val="0"/>
+              </a:spcBef>
+            </a:pPr>
+            <a:r>
+              <a:rPr lang="en-US" dirty="0"/>
+              <a:t>The </a:t>
+            </a:r>
+            <a:r>
+              <a:rPr lang="en-US" dirty="0">
+                <a:latin typeface="Courier New" charset="0"/>
+                <a:ea typeface="Courier New" charset="0"/>
+                <a:cs typeface="Courier New" charset="0"/>
+              </a:rPr>
+              <a:t>family = </a:t>
+            </a:r>
+            <a:r>
+              <a:rPr lang="en-US" dirty="0">
+                <a:ea typeface="Courier New" charset="0"/>
+                <a:cs typeface="Courier New" charset="0"/>
+              </a:rPr>
+              <a:t>argument specifies the distribution you want to use</a:t>
+            </a:r>
+          </a:p>
+          <a:p>
+            <a:pPr>
+              <a:lnSpc>
+                <a:spcPct val="100000"/>
+              </a:lnSpc>
+              <a:spcBef>
+                <a:spcPts val="0"/>
+              </a:spcBef>
+            </a:pPr>
+            <a:endParaRPr lang="en-US" dirty="0">
+              <a:ea typeface="Courier New" charset="0"/>
+              <a:cs typeface="Courier New" charset="0"/>
+            </a:endParaRPr>
+          </a:p>
+          <a:p>
+            <a:pPr>
+              <a:lnSpc>
+                <a:spcPct val="100000"/>
+              </a:lnSpc>
+              <a:spcBef>
+                <a:spcPts val="0"/>
+              </a:spcBef>
+            </a:pPr>
+            <a:r>
+              <a:rPr lang="en-US" dirty="0">
+                <a:ea typeface="Courier New" charset="0"/>
+                <a:cs typeface="Courier New" charset="0"/>
+              </a:rPr>
+              <a:t>The default is </a:t>
+            </a:r>
+            <a:r>
+              <a:rPr lang="en-US" dirty="0" err="1">
+                <a:ea typeface="Courier New" charset="0"/>
+                <a:cs typeface="Courier New" charset="0"/>
+              </a:rPr>
+              <a:t>gaussian</a:t>
+            </a:r>
+            <a:endParaRPr lang="en-US" dirty="0">
+              <a:ea typeface="Courier New" charset="0"/>
+              <a:cs typeface="Courier New" charset="0"/>
+            </a:endParaRPr>
+          </a:p>
+          <a:p>
+            <a:pPr>
+              <a:lnSpc>
+                <a:spcPct val="100000"/>
+              </a:lnSpc>
+              <a:spcBef>
+                <a:spcPts val="0"/>
+              </a:spcBef>
+            </a:pPr>
+            <a:endParaRPr lang="en-US" dirty="0">
+              <a:latin typeface="Courier New" charset="0"/>
+              <a:ea typeface="Courier New" charset="0"/>
+              <a:cs typeface="Courier New" charset="0"/>
+            </a:endParaRPr>
+          </a:p>
+          <a:p>
+            <a:pPr>
+              <a:lnSpc>
+                <a:spcPct val="100000"/>
+              </a:lnSpc>
+              <a:spcBef>
+                <a:spcPts val="0"/>
+              </a:spcBef>
+            </a:pPr>
+            <a:r>
+              <a:rPr lang="en-US" dirty="0">
+                <a:ea typeface="Courier New" charset="0"/>
+                <a:cs typeface="Courier New" charset="0"/>
+              </a:rPr>
+              <a:t>in base R, e.g. </a:t>
+            </a:r>
+            <a:r>
+              <a:rPr lang="en-US" dirty="0" err="1">
+                <a:latin typeface="Courier New" charset="0"/>
+                <a:ea typeface="Courier New" charset="0"/>
+                <a:cs typeface="Courier New" charset="0"/>
+              </a:rPr>
               <a:t>glm</a:t>
             </a:r>
             <a:r>
-              <a:rPr lang="en-US" dirty="0"/>
-              <a:t> with a negative binomial distribution we can use </a:t>
-            </a:r>
+              <a:rPr lang="en-US" dirty="0">
+                <a:latin typeface="Courier New" charset="0"/>
+                <a:ea typeface="Courier New" charset="0"/>
+                <a:cs typeface="Courier New" charset="0"/>
+              </a:rPr>
+              <a:t>()</a:t>
+            </a:r>
+            <a:r>
+              <a:rPr lang="en-US" dirty="0">
+                <a:ea typeface="Courier New" charset="0"/>
+                <a:cs typeface="Courier New" charset="0"/>
+              </a:rPr>
+              <a:t>the possible choices are these:</a:t>
+            </a:r>
+          </a:p>
+          <a:p>
+            <a:endParaRPr lang="en-US" dirty="0">
+              <a:solidFill>
+                <a:prstClr val="black"/>
+              </a:solidFill>
+              <a:latin typeface="Courier" charset="0"/>
+            </a:endParaRPr>
+          </a:p>
+          <a:p>
+            <a:r>
+              <a:rPr lang="en-US" dirty="0">
+                <a:solidFill>
+                  <a:prstClr val="black"/>
+                </a:solidFill>
+                <a:latin typeface="Courier" charset="0"/>
+              </a:rPr>
+              <a:t>binomial(link = "logit")</a:t>
+            </a:r>
+          </a:p>
+          <a:p>
             <a:r>
               <a:rPr lang="en-US" dirty="0" err="1">
+                <a:solidFill>
+                  <a:prstClr val="black"/>
+                </a:solidFill>
                 <a:latin typeface="Courier" charset="0"/>
-                <a:ea typeface="Courier" charset="0"/>
-                <a:cs typeface="Courier" charset="0"/>
               </a:rPr>
-              <a:t>glm.nb</a:t>
+              <a:t>gaussian</a:t>
             </a:r>
             <a:r>
               <a:rPr lang="en-US" dirty="0">
+                <a:solidFill>
+                  <a:prstClr val="black"/>
+                </a:solidFill>
                 <a:latin typeface="Courier" charset="0"/>
-                <a:ea typeface="Courier" charset="0"/>
-                <a:cs typeface="Courier" charset="0"/>
               </a:rPr>
-              <a:t> </a:t>
-            </a:r>
-            <a:r>
-              <a:rPr lang="en-US" dirty="0"/>
-              <a:t>in the MASS package</a:t>
-            </a:r>
-          </a:p>
-          <a:p>
-            <a:endParaRPr lang="en-US" dirty="0"/>
+              <a:t>(link = "identity")</a:t>
+            </a:r>
+          </a:p>
+          <a:p>
+            <a:r>
+              <a:rPr lang="en-US" dirty="0">
+                <a:solidFill>
+                  <a:prstClr val="black"/>
+                </a:solidFill>
+                <a:latin typeface="Courier" charset="0"/>
+              </a:rPr>
+              <a:t>Gamma(link = "inverse")</a:t>
+            </a:r>
+          </a:p>
+          <a:p>
+            <a:r>
+              <a:rPr lang="en-US" dirty="0" err="1">
+                <a:solidFill>
+                  <a:prstClr val="black"/>
+                </a:solidFill>
+                <a:latin typeface="Courier" charset="0"/>
+              </a:rPr>
+              <a:t>inverse.gaussian</a:t>
+            </a:r>
+            <a:r>
+              <a:rPr lang="en-US" dirty="0">
+                <a:solidFill>
+                  <a:prstClr val="black"/>
+                </a:solidFill>
+                <a:latin typeface="Courier" charset="0"/>
+              </a:rPr>
+              <a:t>(link = "1/mu^2")</a:t>
+            </a:r>
+          </a:p>
+          <a:p>
+            <a:r>
+              <a:rPr lang="en-US" dirty="0" err="1">
+                <a:solidFill>
+                  <a:prstClr val="black"/>
+                </a:solidFill>
+                <a:latin typeface="Courier" charset="0"/>
+              </a:rPr>
+              <a:t>poisson</a:t>
+            </a:r>
+            <a:r>
+              <a:rPr lang="en-US" dirty="0">
+                <a:solidFill>
+                  <a:prstClr val="black"/>
+                </a:solidFill>
+                <a:latin typeface="Courier" charset="0"/>
+              </a:rPr>
+              <a:t>(link = "log")</a:t>
+            </a:r>
+          </a:p>
+          <a:p>
+            <a:r>
+              <a:rPr lang="en-US" dirty="0">
+                <a:solidFill>
+                  <a:prstClr val="black"/>
+                </a:solidFill>
+                <a:latin typeface="Courier" charset="0"/>
+              </a:rPr>
+              <a:t>quasi(link = "identity", variance = "constant")</a:t>
+            </a:r>
+          </a:p>
+          <a:p>
+            <a:r>
+              <a:rPr lang="en-US" dirty="0" err="1">
+                <a:solidFill>
+                  <a:prstClr val="black"/>
+                </a:solidFill>
+                <a:latin typeface="Courier" charset="0"/>
+              </a:rPr>
+              <a:t>quasibinomial</a:t>
+            </a:r>
+            <a:r>
+              <a:rPr lang="en-US" dirty="0">
+                <a:solidFill>
+                  <a:prstClr val="black"/>
+                </a:solidFill>
+                <a:latin typeface="Courier" charset="0"/>
+              </a:rPr>
+              <a:t>(link = "logit")</a:t>
+            </a:r>
+          </a:p>
+          <a:p>
+            <a:r>
+              <a:rPr lang="en-US" dirty="0" err="1">
+                <a:solidFill>
+                  <a:prstClr val="black"/>
+                </a:solidFill>
+                <a:latin typeface="Courier" charset="0"/>
+              </a:rPr>
+              <a:t>quasipoisson</a:t>
+            </a:r>
+            <a:r>
+              <a:rPr lang="en-US" dirty="0">
+                <a:solidFill>
+                  <a:prstClr val="black"/>
+                </a:solidFill>
+                <a:latin typeface="Courier" charset="0"/>
+              </a:rPr>
+              <a:t>(link = "log")</a:t>
+            </a:r>
+          </a:p>
+          <a:p>
+            <a:endParaRPr lang="en-US" dirty="0">
+              <a:solidFill>
+                <a:prstClr val="black"/>
+              </a:solidFill>
+              <a:latin typeface="Courier" charset="0"/>
+              <a:ea typeface="Courier New" charset="0"/>
+              <a:cs typeface="Courier New" charset="0"/>
+            </a:endParaRPr>
+          </a:p>
+          <a:p>
+            <a:r>
+              <a:rPr lang="en-US" dirty="0">
+                <a:solidFill>
+                  <a:prstClr val="black"/>
+                </a:solidFill>
+                <a:ea typeface="Courier New" charset="0"/>
+                <a:cs typeface="Courier New" charset="0"/>
+              </a:rPr>
+              <a:t>What very useful distribution is missing?</a:t>
+            </a:r>
           </a:p>
         </p:txBody>
       </p:sp>
     </p:spTree>
     <p:extLst>
       <p:ext uri="{BB962C8B-B14F-4D97-AF65-F5344CB8AC3E}">
-        <p14:creationId xmlns:p14="http://schemas.microsoft.com/office/powerpoint/2010/main" val="1606989220"/>
+        <p14:creationId xmlns:p14="http://schemas.microsoft.com/office/powerpoint/2010/main" val="691661802"/>
       </p:ext>
     </p:extLst>
   </p:cSld>
@@ -7741,7 +7790,15 @@
           <a:p>
             <a:r>
               <a:rPr lang="en-US" dirty="0"/>
-              <a:t>Link functions</a:t>
+              <a:t>Family </a:t>
+            </a:r>
+            <a:r>
+              <a:rPr lang="mr-IN" dirty="0"/>
+              <a:t>–</a:t>
+            </a:r>
+            <a:r>
+              <a:rPr lang="en-US" dirty="0"/>
+              <a:t> negative binomial</a:t>
             </a:r>
           </a:p>
         </p:txBody>
@@ -7758,41 +7815,40 @@
         </p:nvSpPr>
         <p:spPr/>
         <p:txBody>
-          <a:bodyPr>
-            <a:normAutofit fontScale="92500" lnSpcReduction="10000"/>
-          </a:bodyPr>
-          <a:lstStyle/>
-          <a:p>
-            <a:r>
-              <a:rPr lang="en-US" dirty="0"/>
-              <a:t>Links functions “linearize” the data</a:t>
-            </a:r>
-          </a:p>
-          <a:p>
-            <a:endParaRPr lang="en-US" dirty="0"/>
-          </a:p>
-          <a:p>
-            <a:r>
-              <a:rPr lang="en-US" dirty="0"/>
-              <a:t>Link functions apply a function to fit a data on a linear scale while calculating the expected variance on the untransformed scale in order to correct for distortions that linearization would normally cause</a:t>
-            </a:r>
-          </a:p>
-          <a:p>
-            <a:endParaRPr lang="en-US" dirty="0"/>
-          </a:p>
-          <a:p>
-            <a:r>
-              <a:rPr lang="en-US" dirty="0"/>
-              <a:t>All distributions have a canonical (or standard) link which are generally fine to use</a:t>
-            </a:r>
-          </a:p>
-          <a:p>
-            <a:endParaRPr lang="en-US" dirty="0"/>
-          </a:p>
-          <a:p>
-            <a:r>
-              <a:rPr lang="en-US" dirty="0"/>
-              <a:t>One exception might be the Gamma, often the “log” link is used instead of the standard “inverse” link </a:t>
+          <a:bodyPr/>
+          <a:lstStyle/>
+          <a:p>
+            <a:r>
+              <a:rPr lang="en-US" dirty="0"/>
+              <a:t>To do a </a:t>
+            </a:r>
+            <a:r>
+              <a:rPr lang="en-US" dirty="0" err="1"/>
+              <a:t>glm</a:t>
+            </a:r>
+            <a:r>
+              <a:rPr lang="en-US" dirty="0"/>
+              <a:t> with a negative binomial distribution we can use </a:t>
+            </a:r>
+            <a:r>
+              <a:rPr lang="en-US" dirty="0" err="1">
+                <a:latin typeface="Courier" charset="0"/>
+                <a:ea typeface="Courier" charset="0"/>
+                <a:cs typeface="Courier" charset="0"/>
+              </a:rPr>
+              <a:t>glm.nb</a:t>
+            </a:r>
+            <a:r>
+              <a:rPr lang="en-US" dirty="0">
+                <a:latin typeface="Courier" charset="0"/>
+                <a:ea typeface="Courier" charset="0"/>
+                <a:cs typeface="Courier" charset="0"/>
+              </a:rPr>
+              <a:t> </a:t>
+            </a:r>
+            <a:r>
+              <a:rPr lang="en-US" dirty="0"/>
+              <a:t>in the MASS package</a:t>
             </a:r>
           </a:p>
           <a:p>
@@ -7803,7 +7859,7 @@
     </p:spTree>
     <p:extLst>
       <p:ext uri="{BB962C8B-B14F-4D97-AF65-F5344CB8AC3E}">
-        <p14:creationId xmlns:p14="http://schemas.microsoft.com/office/powerpoint/2010/main" val="752160629"/>
+        <p14:creationId xmlns:p14="http://schemas.microsoft.com/office/powerpoint/2010/main" val="1606989220"/>
       </p:ext>
     </p:extLst>
   </p:cSld>

--- a/lectures/le10_glms.pptx
+++ b/lectures/le10_glms.pptx
@@ -4686,7 +4686,7 @@
         <p:spPr/>
         <p:txBody>
           <a:bodyPr>
-            <a:normAutofit fontScale="92500"/>
+            <a:normAutofit fontScale="92500" lnSpcReduction="10000"/>
           </a:bodyPr>
           <a:lstStyle/>
           <a:p>
@@ -4730,7 +4730,7 @@
             <a:pPr lvl="2"/>
             <a:r>
               <a:rPr lang="en-US" dirty="0"/>
-              <a:t>Possible options: zero-inflated models and bias-reduction models, correlated data e.g. </a:t>
+              <a:t>Possible options: zero-inflated models/hurdle models (x1) and bias-reduction models, correlated data e.g. </a:t>
             </a:r>
             <a:r>
               <a:rPr lang="en-US" dirty="0" err="1"/>
@@ -4738,11 +4738,15 @@
             </a:r>
             <a:r>
               <a:rPr lang="en-US" dirty="0"/>
-              <a:t> models, autoregressive models (time series data), shiny apps, power analyses, non-linear models, machine learning (not my </a:t>
+              <a:t> models, autoregressive models (time series data x2), shiny apps, power analyses x2, non-linear models &amp; GAM/</a:t>
             </a:r>
             <a:r>
               <a:rPr lang="en-US" dirty="0" err="1"/>
-              <a:t>speciality</a:t>
+              <a:t>Ms</a:t>
+            </a:r>
+            <a:r>
+              <a:rPr lang="en-US" dirty="0"/>
+              <a:t> x1, machine learning (not my specialty</a:t>
             </a:r>
             <a:r>
               <a:rPr lang="mr-IN" dirty="0"/>
@@ -4750,7 +4754,7 @@
             </a:r>
             <a:r>
               <a:rPr lang="en-US" dirty="0"/>
-              <a:t>), ODE models</a:t>
+              <a:t>), ODE models </a:t>
             </a:r>
           </a:p>
           <a:p>
